--- a/Notes/HHL.pptx
+++ b/Notes/HHL.pptx
@@ -115,7 +115,7 @@
 <file path=ppt/revisionInfo.xml><?xml version="1.0" encoding="utf-8"?>
 <p1510:revInfo xmlns:a="http://schemas.openxmlformats.org/drawingml/2006/main" xmlns:r="http://schemas.openxmlformats.org/officeDocument/2006/relationships" xmlns:p1510="http://schemas.microsoft.com/office/powerpoint/2015/10/main">
   <p1510:revLst>
-    <p1510:client id="{70E76CCD-110D-43D5-8264-DFBAEE6948F6}" v="5" dt="2024-07-04T08:28:44.770"/>
+    <p1510:client id="{70E76CCD-110D-43D5-8264-DFBAEE6948F6}" v="139" dt="2024-07-30T06:05:01.534"/>
   </p1510:revLst>
 </p1510:revInfo>
 </file>
@@ -124,19 +124,27 @@
 <pc:chgInfo xmlns:a="http://schemas.openxmlformats.org/drawingml/2006/main" xmlns:r="http://schemas.openxmlformats.org/officeDocument/2006/relationships" xmlns:ac="http://schemas.microsoft.com/office/drawing/2013/main/command" xmlns:pc="http://schemas.microsoft.com/office/powerpoint/2013/main/command">
   <pc:docChgLst>
     <pc:chgData name="Nihar Mayur Shah" userId="ff8f693a-7bf6-40db-b5bb-7017fc69b4c1" providerId="ADAL" clId="{70E76CCD-110D-43D5-8264-DFBAEE6948F6}"/>
-    <pc:docChg chg="modSld">
-      <pc:chgData name="Nihar Mayur Shah" userId="ff8f693a-7bf6-40db-b5bb-7017fc69b4c1" providerId="ADAL" clId="{70E76CCD-110D-43D5-8264-DFBAEE6948F6}" dt="2024-07-04T08:28:55.757" v="6" actId="1076"/>
+    <pc:docChg chg="custSel modSld">
+      <pc:chgData name="Nihar Mayur Shah" userId="ff8f693a-7bf6-40db-b5bb-7017fc69b4c1" providerId="ADAL" clId="{70E76CCD-110D-43D5-8264-DFBAEE6948F6}" dt="2024-07-30T06:05:01.534" v="153" actId="164"/>
       <pc:docMkLst>
         <pc:docMk/>
       </pc:docMkLst>
-      <pc:sldChg chg="modSp mod">
-        <pc:chgData name="Nihar Mayur Shah" userId="ff8f693a-7bf6-40db-b5bb-7017fc69b4c1" providerId="ADAL" clId="{70E76CCD-110D-43D5-8264-DFBAEE6948F6}" dt="2024-07-04T08:28:55.757" v="6" actId="1076"/>
+      <pc:sldChg chg="addSp delSp modSp mod">
+        <pc:chgData name="Nihar Mayur Shah" userId="ff8f693a-7bf6-40db-b5bb-7017fc69b4c1" providerId="ADAL" clId="{70E76CCD-110D-43D5-8264-DFBAEE6948F6}" dt="2024-07-30T06:05:01.534" v="153" actId="164"/>
         <pc:sldMkLst>
           <pc:docMk/>
           <pc:sldMk cId="1917518688" sldId="256"/>
         </pc:sldMkLst>
+        <pc:spChg chg="add mod">
+          <ac:chgData name="Nihar Mayur Shah" userId="ff8f693a-7bf6-40db-b5bb-7017fc69b4c1" providerId="ADAL" clId="{70E76CCD-110D-43D5-8264-DFBAEE6948F6}" dt="2024-07-30T06:05:01.534" v="153" actId="164"/>
+          <ac:spMkLst>
+            <pc:docMk/>
+            <pc:sldMk cId="1917518688" sldId="256"/>
+            <ac:spMk id="2" creationId="{F504C1BE-6B61-2145-4E0D-F2BA45413BDF}"/>
+          </ac:spMkLst>
+        </pc:spChg>
         <pc:spChg chg="mod">
-          <ac:chgData name="Nihar Mayur Shah" userId="ff8f693a-7bf6-40db-b5bb-7017fc69b4c1" providerId="ADAL" clId="{70E76CCD-110D-43D5-8264-DFBAEE6948F6}" dt="2024-07-04T08:28:44.770" v="5" actId="20577"/>
+          <ac:chgData name="Nihar Mayur Shah" userId="ff8f693a-7bf6-40db-b5bb-7017fc69b4c1" providerId="ADAL" clId="{70E76CCD-110D-43D5-8264-DFBAEE6948F6}" dt="2024-07-30T06:04:39.951" v="151" actId="20577"/>
           <ac:spMkLst>
             <pc:docMk/>
             <pc:sldMk cId="1917518688" sldId="256"/>
@@ -144,7 +152,7 @@
           </ac:spMkLst>
         </pc:spChg>
         <pc:spChg chg="mod">
-          <ac:chgData name="Nihar Mayur Shah" userId="ff8f693a-7bf6-40db-b5bb-7017fc69b4c1" providerId="ADAL" clId="{70E76CCD-110D-43D5-8264-DFBAEE6948F6}" dt="2024-07-04T08:28:44.770" v="5" actId="20577"/>
+          <ac:chgData name="Nihar Mayur Shah" userId="ff8f693a-7bf6-40db-b5bb-7017fc69b4c1" providerId="ADAL" clId="{70E76CCD-110D-43D5-8264-DFBAEE6948F6}" dt="2024-07-30T06:04:39.951" v="151" actId="20577"/>
           <ac:spMkLst>
             <pc:docMk/>
             <pc:sldMk cId="1917518688" sldId="256"/>
@@ -152,15 +160,31 @@
           </ac:spMkLst>
         </pc:spChg>
         <pc:spChg chg="mod">
-          <ac:chgData name="Nihar Mayur Shah" userId="ff8f693a-7bf6-40db-b5bb-7017fc69b4c1" providerId="ADAL" clId="{70E76CCD-110D-43D5-8264-DFBAEE6948F6}" dt="2024-07-04T08:28:44.770" v="5" actId="20577"/>
+          <ac:chgData name="Nihar Mayur Shah" userId="ff8f693a-7bf6-40db-b5bb-7017fc69b4c1" providerId="ADAL" clId="{70E76CCD-110D-43D5-8264-DFBAEE6948F6}" dt="2024-07-30T06:04:39.951" v="151" actId="20577"/>
           <ac:spMkLst>
             <pc:docMk/>
             <pc:sldMk cId="1917518688" sldId="256"/>
             <ac:spMk id="8" creationId="{54122DD5-ADB3-407E-9859-C7FEC6568CBC}"/>
           </ac:spMkLst>
         </pc:spChg>
+        <pc:spChg chg="add mod">
+          <ac:chgData name="Nihar Mayur Shah" userId="ff8f693a-7bf6-40db-b5bb-7017fc69b4c1" providerId="ADAL" clId="{70E76CCD-110D-43D5-8264-DFBAEE6948F6}" dt="2024-07-30T06:05:01.534" v="153" actId="164"/>
+          <ac:spMkLst>
+            <pc:docMk/>
+            <pc:sldMk cId="1917518688" sldId="256"/>
+            <ac:spMk id="19" creationId="{3E344F2E-ADE4-6D2C-3B89-56926E698DD5}"/>
+          </ac:spMkLst>
+        </pc:spChg>
+        <pc:spChg chg="add mod">
+          <ac:chgData name="Nihar Mayur Shah" userId="ff8f693a-7bf6-40db-b5bb-7017fc69b4c1" providerId="ADAL" clId="{70E76CCD-110D-43D5-8264-DFBAEE6948F6}" dt="2024-07-30T06:05:01.534" v="153" actId="164"/>
+          <ac:spMkLst>
+            <pc:docMk/>
+            <pc:sldMk cId="1917518688" sldId="256"/>
+            <ac:spMk id="21" creationId="{9325930D-6995-7170-FBA4-42FC24752FDD}"/>
+          </ac:spMkLst>
+        </pc:spChg>
         <pc:spChg chg="mod">
-          <ac:chgData name="Nihar Mayur Shah" userId="ff8f693a-7bf6-40db-b5bb-7017fc69b4c1" providerId="ADAL" clId="{70E76CCD-110D-43D5-8264-DFBAEE6948F6}" dt="2024-07-04T08:28:44.770" v="5" actId="20577"/>
+          <ac:chgData name="Nihar Mayur Shah" userId="ff8f693a-7bf6-40db-b5bb-7017fc69b4c1" providerId="ADAL" clId="{70E76CCD-110D-43D5-8264-DFBAEE6948F6}" dt="2024-07-30T06:04:39.951" v="151" actId="20577"/>
           <ac:spMkLst>
             <pc:docMk/>
             <pc:sldMk cId="1917518688" sldId="256"/>
@@ -168,7 +192,7 @@
           </ac:spMkLst>
         </pc:spChg>
         <pc:spChg chg="mod">
-          <ac:chgData name="Nihar Mayur Shah" userId="ff8f693a-7bf6-40db-b5bb-7017fc69b4c1" providerId="ADAL" clId="{70E76CCD-110D-43D5-8264-DFBAEE6948F6}" dt="2024-07-04T08:28:44.770" v="5" actId="20577"/>
+          <ac:chgData name="Nihar Mayur Shah" userId="ff8f693a-7bf6-40db-b5bb-7017fc69b4c1" providerId="ADAL" clId="{70E76CCD-110D-43D5-8264-DFBAEE6948F6}" dt="2024-07-30T06:04:39.951" v="151" actId="20577"/>
           <ac:spMkLst>
             <pc:docMk/>
             <pc:sldMk cId="1917518688" sldId="256"/>
@@ -176,15 +200,15 @@
           </ac:spMkLst>
         </pc:spChg>
         <pc:spChg chg="mod">
-          <ac:chgData name="Nihar Mayur Shah" userId="ff8f693a-7bf6-40db-b5bb-7017fc69b4c1" providerId="ADAL" clId="{70E76CCD-110D-43D5-8264-DFBAEE6948F6}" dt="2024-07-04T08:28:44.770" v="5" actId="20577"/>
+          <ac:chgData name="Nihar Mayur Shah" userId="ff8f693a-7bf6-40db-b5bb-7017fc69b4c1" providerId="ADAL" clId="{70E76CCD-110D-43D5-8264-DFBAEE6948F6}" dt="2024-07-30T06:04:39.951" v="151" actId="20577"/>
           <ac:spMkLst>
             <pc:docMk/>
             <pc:sldMk cId="1917518688" sldId="256"/>
             <ac:spMk id="27" creationId="{4708E443-5993-0ED1-D70F-BACCB7D1859F}"/>
           </ac:spMkLst>
         </pc:spChg>
-        <pc:spChg chg="mod">
-          <ac:chgData name="Nihar Mayur Shah" userId="ff8f693a-7bf6-40db-b5bb-7017fc69b4c1" providerId="ADAL" clId="{70E76CCD-110D-43D5-8264-DFBAEE6948F6}" dt="2024-07-04T08:28:44.770" v="5" actId="20577"/>
+        <pc:spChg chg="del mod">
+          <ac:chgData name="Nihar Mayur Shah" userId="ff8f693a-7bf6-40db-b5bb-7017fc69b4c1" providerId="ADAL" clId="{70E76CCD-110D-43D5-8264-DFBAEE6948F6}" dt="2024-07-30T06:02:55.453" v="55" actId="478"/>
           <ac:spMkLst>
             <pc:docMk/>
             <pc:sldMk cId="1917518688" sldId="256"/>
@@ -192,7 +216,7 @@
           </ac:spMkLst>
         </pc:spChg>
         <pc:spChg chg="mod">
-          <ac:chgData name="Nihar Mayur Shah" userId="ff8f693a-7bf6-40db-b5bb-7017fc69b4c1" providerId="ADAL" clId="{70E76CCD-110D-43D5-8264-DFBAEE6948F6}" dt="2024-07-04T08:28:44.770" v="5" actId="20577"/>
+          <ac:chgData name="Nihar Mayur Shah" userId="ff8f693a-7bf6-40db-b5bb-7017fc69b4c1" providerId="ADAL" clId="{70E76CCD-110D-43D5-8264-DFBAEE6948F6}" dt="2024-07-30T06:04:39.951" v="151" actId="20577"/>
           <ac:spMkLst>
             <pc:docMk/>
             <pc:sldMk cId="1917518688" sldId="256"/>
@@ -200,23 +224,55 @@
           </ac:spMkLst>
         </pc:spChg>
         <pc:spChg chg="mod">
-          <ac:chgData name="Nihar Mayur Shah" userId="ff8f693a-7bf6-40db-b5bb-7017fc69b4c1" providerId="ADAL" clId="{70E76CCD-110D-43D5-8264-DFBAEE6948F6}" dt="2024-07-04T08:28:55.757" v="6" actId="1076"/>
+          <ac:chgData name="Nihar Mayur Shah" userId="ff8f693a-7bf6-40db-b5bb-7017fc69b4c1" providerId="ADAL" clId="{70E76CCD-110D-43D5-8264-DFBAEE6948F6}" dt="2024-07-30T06:04:51.232" v="152" actId="1076"/>
           <ac:spMkLst>
             <pc:docMk/>
             <pc:sldMk cId="1917518688" sldId="256"/>
             <ac:spMk id="30" creationId="{DCFEF4E7-820B-D14E-A2E9-6D356258E020}"/>
           </ac:spMkLst>
         </pc:spChg>
+        <pc:grpChg chg="add mod">
+          <ac:chgData name="Nihar Mayur Shah" userId="ff8f693a-7bf6-40db-b5bb-7017fc69b4c1" providerId="ADAL" clId="{70E76CCD-110D-43D5-8264-DFBAEE6948F6}" dt="2024-07-30T06:05:01.534" v="153" actId="164"/>
+          <ac:grpSpMkLst>
+            <pc:docMk/>
+            <pc:sldMk cId="1917518688" sldId="256"/>
+            <ac:grpSpMk id="24" creationId="{68A49E55-D516-974F-E4A0-1A0F2032B8A4}"/>
+          </ac:grpSpMkLst>
+        </pc:grpChg>
         <pc:grpChg chg="mod">
-          <ac:chgData name="Nihar Mayur Shah" userId="ff8f693a-7bf6-40db-b5bb-7017fc69b4c1" providerId="ADAL" clId="{70E76CCD-110D-43D5-8264-DFBAEE6948F6}" dt="2024-07-04T08:28:44.770" v="5" actId="20577"/>
+          <ac:chgData name="Nihar Mayur Shah" userId="ff8f693a-7bf6-40db-b5bb-7017fc69b4c1" providerId="ADAL" clId="{70E76CCD-110D-43D5-8264-DFBAEE6948F6}" dt="2024-07-30T06:05:01.534" v="153" actId="164"/>
           <ac:grpSpMkLst>
             <pc:docMk/>
             <pc:sldMk cId="1917518688" sldId="256"/>
             <ac:grpSpMk id="31" creationId="{EFF809AF-8776-423C-1B4B-052FC86EFCD1}"/>
           </ac:grpSpMkLst>
         </pc:grpChg>
+        <pc:cxnChg chg="add mod">
+          <ac:chgData name="Nihar Mayur Shah" userId="ff8f693a-7bf6-40db-b5bb-7017fc69b4c1" providerId="ADAL" clId="{70E76CCD-110D-43D5-8264-DFBAEE6948F6}" dt="2024-07-30T06:05:01.534" v="153" actId="164"/>
+          <ac:cxnSpMkLst>
+            <pc:docMk/>
+            <pc:sldMk cId="1917518688" sldId="256"/>
+            <ac:cxnSpMk id="3" creationId="{106304A0-58BC-457F-DAF1-5603C669F30B}"/>
+          </ac:cxnSpMkLst>
+        </pc:cxnChg>
+        <pc:cxnChg chg="add mod">
+          <ac:chgData name="Nihar Mayur Shah" userId="ff8f693a-7bf6-40db-b5bb-7017fc69b4c1" providerId="ADAL" clId="{70E76CCD-110D-43D5-8264-DFBAEE6948F6}" dt="2024-07-30T06:05:01.534" v="153" actId="164"/>
+          <ac:cxnSpMkLst>
+            <pc:docMk/>
+            <pc:sldMk cId="1917518688" sldId="256"/>
+            <ac:cxnSpMk id="4" creationId="{94520E4E-F551-5CDC-7C4E-BA53F4B6FFF5}"/>
+          </ac:cxnSpMkLst>
+        </pc:cxnChg>
+        <pc:cxnChg chg="add mod">
+          <ac:chgData name="Nihar Mayur Shah" userId="ff8f693a-7bf6-40db-b5bb-7017fc69b4c1" providerId="ADAL" clId="{70E76CCD-110D-43D5-8264-DFBAEE6948F6}" dt="2024-07-30T06:05:01.534" v="153" actId="164"/>
+          <ac:cxnSpMkLst>
+            <pc:docMk/>
+            <pc:sldMk cId="1917518688" sldId="256"/>
+            <ac:cxnSpMk id="9" creationId="{F80C716D-4309-B5CE-408D-1E7E9B35F3FD}"/>
+          </ac:cxnSpMkLst>
+        </pc:cxnChg>
         <pc:cxnChg chg="mod">
-          <ac:chgData name="Nihar Mayur Shah" userId="ff8f693a-7bf6-40db-b5bb-7017fc69b4c1" providerId="ADAL" clId="{70E76CCD-110D-43D5-8264-DFBAEE6948F6}" dt="2024-07-04T08:28:44.770" v="5" actId="20577"/>
+          <ac:chgData name="Nihar Mayur Shah" userId="ff8f693a-7bf6-40db-b5bb-7017fc69b4c1" providerId="ADAL" clId="{70E76CCD-110D-43D5-8264-DFBAEE6948F6}" dt="2024-07-30T06:04:39.951" v="151" actId="20577"/>
           <ac:cxnSpMkLst>
             <pc:docMk/>
             <pc:sldMk cId="1917518688" sldId="256"/>
@@ -224,7 +280,7 @@
           </ac:cxnSpMkLst>
         </pc:cxnChg>
         <pc:cxnChg chg="mod">
-          <ac:chgData name="Nihar Mayur Shah" userId="ff8f693a-7bf6-40db-b5bb-7017fc69b4c1" providerId="ADAL" clId="{70E76CCD-110D-43D5-8264-DFBAEE6948F6}" dt="2024-07-04T08:28:44.770" v="5" actId="20577"/>
+          <ac:chgData name="Nihar Mayur Shah" userId="ff8f693a-7bf6-40db-b5bb-7017fc69b4c1" providerId="ADAL" clId="{70E76CCD-110D-43D5-8264-DFBAEE6948F6}" dt="2024-07-30T06:04:39.951" v="151" actId="20577"/>
           <ac:cxnSpMkLst>
             <pc:docMk/>
             <pc:sldMk cId="1917518688" sldId="256"/>
@@ -232,15 +288,23 @@
           </ac:cxnSpMkLst>
         </pc:cxnChg>
         <pc:cxnChg chg="mod">
-          <ac:chgData name="Nihar Mayur Shah" userId="ff8f693a-7bf6-40db-b5bb-7017fc69b4c1" providerId="ADAL" clId="{70E76CCD-110D-43D5-8264-DFBAEE6948F6}" dt="2024-07-04T08:28:44.770" v="5" actId="20577"/>
+          <ac:chgData name="Nihar Mayur Shah" userId="ff8f693a-7bf6-40db-b5bb-7017fc69b4c1" providerId="ADAL" clId="{70E76CCD-110D-43D5-8264-DFBAEE6948F6}" dt="2024-07-30T06:04:39.951" v="151" actId="20577"/>
           <ac:cxnSpMkLst>
             <pc:docMk/>
             <pc:sldMk cId="1917518688" sldId="256"/>
             <ac:cxnSpMk id="12" creationId="{06051491-6007-FB19-43EB-50BEADD6FC04}"/>
           </ac:cxnSpMkLst>
         </pc:cxnChg>
+        <pc:cxnChg chg="add mod">
+          <ac:chgData name="Nihar Mayur Shah" userId="ff8f693a-7bf6-40db-b5bb-7017fc69b4c1" providerId="ADAL" clId="{70E76CCD-110D-43D5-8264-DFBAEE6948F6}" dt="2024-07-30T06:05:01.534" v="153" actId="164"/>
+          <ac:cxnSpMkLst>
+            <pc:docMk/>
+            <pc:sldMk cId="1917518688" sldId="256"/>
+            <ac:cxnSpMk id="13" creationId="{4CC479E4-7641-DDEC-D4D0-18A60814A621}"/>
+          </ac:cxnSpMkLst>
+        </pc:cxnChg>
         <pc:cxnChg chg="mod">
-          <ac:chgData name="Nihar Mayur Shah" userId="ff8f693a-7bf6-40db-b5bb-7017fc69b4c1" providerId="ADAL" clId="{70E76CCD-110D-43D5-8264-DFBAEE6948F6}" dt="2024-07-04T08:28:44.770" v="5" actId="20577"/>
+          <ac:chgData name="Nihar Mayur Shah" userId="ff8f693a-7bf6-40db-b5bb-7017fc69b4c1" providerId="ADAL" clId="{70E76CCD-110D-43D5-8264-DFBAEE6948F6}" dt="2024-07-30T06:04:39.951" v="151" actId="20577"/>
           <ac:cxnSpMkLst>
             <pc:docMk/>
             <pc:sldMk cId="1917518688" sldId="256"/>
@@ -248,7 +312,7 @@
           </ac:cxnSpMkLst>
         </pc:cxnChg>
         <pc:cxnChg chg="mod">
-          <ac:chgData name="Nihar Mayur Shah" userId="ff8f693a-7bf6-40db-b5bb-7017fc69b4c1" providerId="ADAL" clId="{70E76CCD-110D-43D5-8264-DFBAEE6948F6}" dt="2024-07-04T08:28:44.770" v="5" actId="20577"/>
+          <ac:chgData name="Nihar Mayur Shah" userId="ff8f693a-7bf6-40db-b5bb-7017fc69b4c1" providerId="ADAL" clId="{70E76CCD-110D-43D5-8264-DFBAEE6948F6}" dt="2024-07-30T06:04:39.951" v="151" actId="20577"/>
           <ac:cxnSpMkLst>
             <pc:docMk/>
             <pc:sldMk cId="1917518688" sldId="256"/>
@@ -256,7 +320,7 @@
           </ac:cxnSpMkLst>
         </pc:cxnChg>
         <pc:cxnChg chg="mod">
-          <ac:chgData name="Nihar Mayur Shah" userId="ff8f693a-7bf6-40db-b5bb-7017fc69b4c1" providerId="ADAL" clId="{70E76CCD-110D-43D5-8264-DFBAEE6948F6}" dt="2024-07-04T08:28:44.770" v="5" actId="20577"/>
+          <ac:chgData name="Nihar Mayur Shah" userId="ff8f693a-7bf6-40db-b5bb-7017fc69b4c1" providerId="ADAL" clId="{70E76CCD-110D-43D5-8264-DFBAEE6948F6}" dt="2024-07-30T06:04:39.951" v="151" actId="20577"/>
           <ac:cxnSpMkLst>
             <pc:docMk/>
             <pc:sldMk cId="1917518688" sldId="256"/>
@@ -264,7 +328,7 @@
           </ac:cxnSpMkLst>
         </pc:cxnChg>
         <pc:cxnChg chg="mod">
-          <ac:chgData name="Nihar Mayur Shah" userId="ff8f693a-7bf6-40db-b5bb-7017fc69b4c1" providerId="ADAL" clId="{70E76CCD-110D-43D5-8264-DFBAEE6948F6}" dt="2024-07-04T08:28:44.770" v="5" actId="20577"/>
+          <ac:chgData name="Nihar Mayur Shah" userId="ff8f693a-7bf6-40db-b5bb-7017fc69b4c1" providerId="ADAL" clId="{70E76CCD-110D-43D5-8264-DFBAEE6948F6}" dt="2024-07-30T06:04:39.951" v="151" actId="20577"/>
           <ac:cxnSpMkLst>
             <pc:docMk/>
             <pc:sldMk cId="1917518688" sldId="256"/>
@@ -272,7 +336,7 @@
           </ac:cxnSpMkLst>
         </pc:cxnChg>
         <pc:cxnChg chg="mod">
-          <ac:chgData name="Nihar Mayur Shah" userId="ff8f693a-7bf6-40db-b5bb-7017fc69b4c1" providerId="ADAL" clId="{70E76CCD-110D-43D5-8264-DFBAEE6948F6}" dt="2024-07-04T08:28:44.770" v="5" actId="20577"/>
+          <ac:chgData name="Nihar Mayur Shah" userId="ff8f693a-7bf6-40db-b5bb-7017fc69b4c1" providerId="ADAL" clId="{70E76CCD-110D-43D5-8264-DFBAEE6948F6}" dt="2024-07-30T06:04:39.951" v="151" actId="20577"/>
           <ac:cxnSpMkLst>
             <pc:docMk/>
             <pc:sldMk cId="1917518688" sldId="256"/>
@@ -280,7 +344,7 @@
           </ac:cxnSpMkLst>
         </pc:cxnChg>
         <pc:cxnChg chg="mod">
-          <ac:chgData name="Nihar Mayur Shah" userId="ff8f693a-7bf6-40db-b5bb-7017fc69b4c1" providerId="ADAL" clId="{70E76CCD-110D-43D5-8264-DFBAEE6948F6}" dt="2024-07-04T08:28:44.770" v="5" actId="20577"/>
+          <ac:chgData name="Nihar Mayur Shah" userId="ff8f693a-7bf6-40db-b5bb-7017fc69b4c1" providerId="ADAL" clId="{70E76CCD-110D-43D5-8264-DFBAEE6948F6}" dt="2024-07-30T06:04:39.951" v="151" actId="20577"/>
           <ac:cxnSpMkLst>
             <pc:docMk/>
             <pc:sldMk cId="1917518688" sldId="256"/>
@@ -288,7 +352,7 @@
           </ac:cxnSpMkLst>
         </pc:cxnChg>
         <pc:cxnChg chg="mod">
-          <ac:chgData name="Nihar Mayur Shah" userId="ff8f693a-7bf6-40db-b5bb-7017fc69b4c1" providerId="ADAL" clId="{70E76CCD-110D-43D5-8264-DFBAEE6948F6}" dt="2024-07-04T08:28:44.770" v="5" actId="20577"/>
+          <ac:chgData name="Nihar Mayur Shah" userId="ff8f693a-7bf6-40db-b5bb-7017fc69b4c1" providerId="ADAL" clId="{70E76CCD-110D-43D5-8264-DFBAEE6948F6}" dt="2024-07-30T06:04:39.951" v="151" actId="20577"/>
           <ac:cxnSpMkLst>
             <pc:docMk/>
             <pc:sldMk cId="1917518688" sldId="256"/>
@@ -457,7 +521,7 @@
           <a:p>
             <a:fld id="{4EC743F4-8769-40B4-85DF-6CB8DE9F66AA}" type="datetimeFigureOut">
               <a:rPr lang="en-US" smtClean="0"/>
-              <a:t>7/4/2024</a:t>
+              <a:t>7/30/2024</a:t>
             </a:fld>
             <a:endParaRPr lang="en-US"/>
           </a:p>
@@ -1000,7 +1064,7 @@
           <a:p>
             <a:fld id="{4EC743F4-8769-40B4-85DF-6CB8DE9F66AA}" type="datetimeFigureOut">
               <a:rPr lang="en-US" smtClean="0"/>
-              <a:t>7/4/2024</a:t>
+              <a:t>7/30/2024</a:t>
             </a:fld>
             <a:endParaRPr lang="en-US"/>
           </a:p>
@@ -1208,7 +1272,7 @@
           <a:p>
             <a:fld id="{4EC743F4-8769-40B4-85DF-6CB8DE9F66AA}" type="datetimeFigureOut">
               <a:rPr lang="en-US" smtClean="0"/>
-              <a:t>7/4/2024</a:t>
+              <a:t>7/30/2024</a:t>
             </a:fld>
             <a:endParaRPr lang="en-US"/>
           </a:p>
@@ -1407,7 +1471,7 @@
           <a:p>
             <a:fld id="{4EC743F4-8769-40B4-85DF-6CB8DE9F66AA}" type="datetimeFigureOut">
               <a:rPr lang="en-US" smtClean="0"/>
-              <a:t>7/4/2024</a:t>
+              <a:t>7/30/2024</a:t>
             </a:fld>
             <a:endParaRPr lang="en-US"/>
           </a:p>
@@ -1690,7 +1754,7 @@
           <a:p>
             <a:fld id="{4EC743F4-8769-40B4-85DF-6CB8DE9F66AA}" type="datetimeFigureOut">
               <a:rPr lang="en-US" smtClean="0"/>
-              <a:t>7/4/2024</a:t>
+              <a:t>7/30/2024</a:t>
             </a:fld>
             <a:endParaRPr lang="en-US" dirty="0"/>
           </a:p>
@@ -2641,7 +2705,7 @@
           <a:p>
             <a:fld id="{4EC743F4-8769-40B4-85DF-6CB8DE9F66AA}" type="datetimeFigureOut">
               <a:rPr lang="en-US" smtClean="0"/>
-              <a:t>7/4/2024</a:t>
+              <a:t>7/30/2024</a:t>
             </a:fld>
             <a:endParaRPr lang="en-US"/>
           </a:p>
@@ -3060,7 +3124,7 @@
           <a:p>
             <a:fld id="{4EC743F4-8769-40B4-85DF-6CB8DE9F66AA}" type="datetimeFigureOut">
               <a:rPr lang="en-US" smtClean="0"/>
-              <a:t>7/4/2024</a:t>
+              <a:t>7/30/2024</a:t>
             </a:fld>
             <a:endParaRPr lang="en-US"/>
           </a:p>
@@ -3201,7 +3265,7 @@
           <a:p>
             <a:fld id="{4EC743F4-8769-40B4-85DF-6CB8DE9F66AA}" type="datetimeFigureOut">
               <a:rPr lang="en-US" smtClean="0"/>
-              <a:t>7/4/2024</a:t>
+              <a:t>7/30/2024</a:t>
             </a:fld>
             <a:endParaRPr lang="en-US"/>
           </a:p>
@@ -3314,7 +3378,7 @@
           <a:p>
             <a:fld id="{4EC743F4-8769-40B4-85DF-6CB8DE9F66AA}" type="datetimeFigureOut">
               <a:rPr lang="en-US" smtClean="0"/>
-              <a:t>7/4/2024</a:t>
+              <a:t>7/30/2024</a:t>
             </a:fld>
             <a:endParaRPr lang="en-US"/>
           </a:p>
@@ -3631,7 +3695,7 @@
           <a:p>
             <a:fld id="{4EC743F4-8769-40B4-85DF-6CB8DE9F66AA}" type="datetimeFigureOut">
               <a:rPr lang="en-US" smtClean="0"/>
-              <a:t>7/4/2024</a:t>
+              <a:t>7/30/2024</a:t>
             </a:fld>
             <a:endParaRPr lang="en-US"/>
           </a:p>
@@ -3976,7 +4040,7 @@
           <a:p>
             <a:fld id="{4EC743F4-8769-40B4-85DF-6CB8DE9F66AA}" type="datetimeFigureOut">
               <a:rPr lang="en-US" smtClean="0"/>
-              <a:t>7/4/2024</a:t>
+              <a:t>7/30/2024</a:t>
             </a:fld>
             <a:endParaRPr lang="en-US"/>
           </a:p>
@@ -4271,7 +4335,7 @@
             <a:fld id="{4EC743F4-8769-40B4-85DF-6CB8DE9F66AA}" type="datetimeFigureOut">
               <a:rPr lang="en-US" smtClean="0"/>
               <a:pPr/>
-              <a:t>7/4/2024</a:t>
+              <a:t>7/30/2024</a:t>
             </a:fld>
             <a:endParaRPr lang="en-US" dirty="0"/>
           </a:p>
@@ -4799,10 +4863,10 @@
       </p:sp>
       <p:grpSp>
         <p:nvGrpSpPr>
-          <p:cNvPr id="31" name="Group 30">
+          <p:cNvPr id="24" name="Group 23">
             <a:extLst>
               <a:ext uri="{FF2B5EF4-FFF2-40B4-BE49-F238E27FC236}">
-                <a16:creationId xmlns:a16="http://schemas.microsoft.com/office/drawing/2014/main" id="{EFF809AF-8776-423C-1B4B-052FC86EFCD1}"/>
+                <a16:creationId xmlns:a16="http://schemas.microsoft.com/office/drawing/2014/main" id="{68A49E55-D516-974F-E4A0-1A0F2032B8A4}"/>
               </a:ext>
             </a:extLst>
           </p:cNvPr>
@@ -4811,470 +4875,1691 @@
         </p:nvGrpSpPr>
         <p:grpSpPr>
           <a:xfrm>
-            <a:off x="432657" y="1395420"/>
-            <a:ext cx="13021704" cy="4291277"/>
-            <a:chOff x="432657" y="1395420"/>
-            <a:chExt cx="13021704" cy="4291277"/>
+            <a:off x="432657" y="1382574"/>
+            <a:ext cx="13580522" cy="4304123"/>
+            <a:chOff x="432657" y="1382574"/>
+            <a:chExt cx="13580522" cy="4304123"/>
           </a:xfrm>
         </p:grpSpPr>
-        <mc:AlternateContent xmlns:mc="http://schemas.openxmlformats.org/markup-compatibility/2006" xmlns:a14="http://schemas.microsoft.com/office/drawing/2010/main">
-          <mc:Choice Requires="a14">
+        <p:grpSp>
+          <p:nvGrpSpPr>
+            <p:cNvPr id="31" name="Group 30">
+              <a:extLst>
+                <a:ext uri="{FF2B5EF4-FFF2-40B4-BE49-F238E27FC236}">
+                  <a16:creationId xmlns:a16="http://schemas.microsoft.com/office/drawing/2014/main" id="{EFF809AF-8776-423C-1B4B-052FC86EFCD1}"/>
+                </a:ext>
+              </a:extLst>
+            </p:cNvPr>
+            <p:cNvGrpSpPr/>
+            <p:nvPr/>
+          </p:nvGrpSpPr>
+          <p:grpSpPr>
+            <a:xfrm>
+              <a:off x="432657" y="1382574"/>
+              <a:ext cx="13580522" cy="4304123"/>
+              <a:chOff x="432657" y="1382574"/>
+              <a:chExt cx="13580522" cy="4304123"/>
+            </a:xfrm>
+          </p:grpSpPr>
+          <mc:AlternateContent xmlns:mc="http://schemas.openxmlformats.org/markup-compatibility/2006">
+            <mc:Choice xmlns:a14="http://schemas.microsoft.com/office/drawing/2010/main" Requires="a14">
+              <p:sp>
+                <p:nvSpPr>
+                  <p:cNvPr id="5" name="Rectangle 4">
+                    <a:extLst>
+                      <a:ext uri="{FF2B5EF4-FFF2-40B4-BE49-F238E27FC236}">
+                        <a16:creationId xmlns:a16="http://schemas.microsoft.com/office/drawing/2014/main" id="{63F096E2-A564-BFEE-3C0F-3F68A5C748A5}"/>
+                      </a:ext>
+                    </a:extLst>
+                  </p:cNvPr>
+                  <p:cNvSpPr/>
+                  <p:nvPr/>
+                </p:nvSpPr>
+                <p:spPr>
+                  <a:xfrm>
+                    <a:off x="2377440" y="2682240"/>
+                    <a:ext cx="2011680" cy="3004457"/>
+                  </a:xfrm>
+                  <a:prstGeom prst="rect">
+                    <a:avLst/>
+                  </a:prstGeom>
+                  <a:noFill/>
+                  <a:ln w="38100">
+                    <a:solidFill>
+                      <a:schemeClr val="tx1"/>
+                    </a:solidFill>
+                  </a:ln>
+                </p:spPr>
+                <p:style>
+                  <a:lnRef idx="2">
+                    <a:schemeClr val="accent1">
+                      <a:shade val="15000"/>
+                    </a:schemeClr>
+                  </a:lnRef>
+                  <a:fillRef idx="1">
+                    <a:schemeClr val="accent1"/>
+                  </a:fillRef>
+                  <a:effectRef idx="0">
+                    <a:schemeClr val="accent1"/>
+                  </a:effectRef>
+                  <a:fontRef idx="minor">
+                    <a:schemeClr val="lt1"/>
+                  </a:fontRef>
+                </p:style>
+                <p:txBody>
+                  <a:bodyPr rtlCol="0" anchor="ctr"/>
+                  <a:lstStyle/>
+                  <a:p>
+                    <a:pPr algn="ctr"/>
+                    <a14:m>
+                      <m:oMathPara xmlns:m="http://schemas.openxmlformats.org/officeDocument/2006/math">
+                        <m:oMathParaPr>
+                          <m:jc m:val="centerGroup"/>
+                        </m:oMathParaPr>
+                        <m:oMath xmlns:m="http://schemas.openxmlformats.org/officeDocument/2006/math">
+                          <m:sSub>
+                            <m:sSubPr>
+                              <m:ctrlPr>
+                                <a:rPr lang="en-US" sz="3600" i="1" smtClean="0">
+                                  <a:solidFill>
+                                    <a:schemeClr val="tx1"/>
+                                  </a:solidFill>
+                                  <a:latin typeface="Cambria Math" panose="02040503050406030204" pitchFamily="18" charset="0"/>
+                                  <a:cs typeface="Times New Roman" panose="02020603050405020304" pitchFamily="18" charset="0"/>
+                                </a:rPr>
+                              </m:ctrlPr>
+                            </m:sSubPr>
+                            <m:e>
+                              <m:r>
+                                <a:rPr lang="en-IN" sz="3600" b="0" i="1" smtClean="0">
+                                  <a:solidFill>
+                                    <a:schemeClr val="tx1"/>
+                                  </a:solidFill>
+                                  <a:latin typeface="Cambria Math" panose="02040503050406030204" pitchFamily="18" charset="0"/>
+                                  <a:cs typeface="Times New Roman" panose="02020603050405020304" pitchFamily="18" charset="0"/>
+                                </a:rPr>
+                                <m:t>𝑂</m:t>
+                              </m:r>
+                              <m:r>
+                                <a:rPr lang="en-IN" sz="3600" b="0" i="1" smtClean="0">
+                                  <a:solidFill>
+                                    <a:schemeClr val="tx1"/>
+                                  </a:solidFill>
+                                  <a:latin typeface="Cambria Math" panose="02040503050406030204" pitchFamily="18" charset="0"/>
+                                  <a:cs typeface="Times New Roman" panose="02020603050405020304" pitchFamily="18" charset="0"/>
+                                </a:rPr>
+                                <m:t>′</m:t>
+                              </m:r>
+                            </m:e>
+                            <m:sub>
+                              <m:r>
+                                <a:rPr lang="en-IN" sz="3600" b="0" i="1" smtClean="0">
+                                  <a:solidFill>
+                                    <a:schemeClr val="tx1"/>
+                                  </a:solidFill>
+                                  <a:latin typeface="Cambria Math" panose="02040503050406030204" pitchFamily="18" charset="0"/>
+                                  <a:cs typeface="Times New Roman" panose="02020603050405020304" pitchFamily="18" charset="0"/>
+                                </a:rPr>
+                                <m:t>𝐴</m:t>
+                              </m:r>
+                            </m:sub>
+                          </m:sSub>
+                        </m:oMath>
+                      </m:oMathPara>
+                    </a14:m>
+                    <a:endParaRPr lang="en-US" sz="3600" dirty="0">
+                      <a:solidFill>
+                        <a:schemeClr val="tx1"/>
+                      </a:solidFill>
+                      <a:latin typeface="Times New Roman" panose="02020603050405020304" pitchFamily="18" charset="0"/>
+                      <a:cs typeface="Times New Roman" panose="02020603050405020304" pitchFamily="18" charset="0"/>
+                    </a:endParaRPr>
+                  </a:p>
+                </p:txBody>
+              </p:sp>
+            </mc:Choice>
+            <mc:Fallback>
+              <p:sp>
+                <p:nvSpPr>
+                  <p:cNvPr id="5" name="Rectangle 4">
+                    <a:extLst>
+                      <a:ext uri="{FF2B5EF4-FFF2-40B4-BE49-F238E27FC236}">
+                        <a16:creationId xmlns:a16="http://schemas.microsoft.com/office/drawing/2014/main" id="{63F096E2-A564-BFEE-3C0F-3F68A5C748A5}"/>
+                      </a:ext>
+                    </a:extLst>
+                  </p:cNvPr>
+                  <p:cNvSpPr>
+                    <a:spLocks noRot="1" noChangeAspect="1" noMove="1" noResize="1" noEditPoints="1" noAdjustHandles="1" noChangeArrowheads="1" noChangeShapeType="1" noTextEdit="1"/>
+                  </p:cNvSpPr>
+                  <p:nvPr/>
+                </p:nvSpPr>
+                <p:spPr>
+                  <a:xfrm>
+                    <a:off x="2377440" y="2682240"/>
+                    <a:ext cx="2011680" cy="3004457"/>
+                  </a:xfrm>
+                  <a:prstGeom prst="rect">
+                    <a:avLst/>
+                  </a:prstGeom>
+                  <a:blipFill>
+                    <a:blip r:embed="rId2"/>
+                    <a:stretch>
+                      <a:fillRect/>
+                    </a:stretch>
+                  </a:blipFill>
+                  <a:ln w="38100">
+                    <a:solidFill>
+                      <a:schemeClr val="tx1"/>
+                    </a:solidFill>
+                  </a:ln>
+                </p:spPr>
+                <p:txBody>
+                  <a:bodyPr/>
+                  <a:lstStyle/>
+                  <a:p>
+                    <a:r>
+                      <a:rPr lang="en-US">
+                        <a:noFill/>
+                      </a:rPr>
+                      <a:t> </a:t>
+                    </a:r>
+                  </a:p>
+                </p:txBody>
+              </p:sp>
+            </mc:Fallback>
+          </mc:AlternateContent>
+          <mc:AlternateContent xmlns:mc="http://schemas.openxmlformats.org/markup-compatibility/2006">
+            <mc:Choice xmlns:a14="http://schemas.microsoft.com/office/drawing/2010/main" Requires="a14">
+              <p:sp>
+                <p:nvSpPr>
+                  <p:cNvPr id="6" name="Rectangle 5">
+                    <a:extLst>
+                      <a:ext uri="{FF2B5EF4-FFF2-40B4-BE49-F238E27FC236}">
+                        <a16:creationId xmlns:a16="http://schemas.microsoft.com/office/drawing/2014/main" id="{6EB90C20-7423-A3B0-8E10-147A5E2E3B71}"/>
+                      </a:ext>
+                    </a:extLst>
+                  </p:cNvPr>
+                  <p:cNvSpPr/>
+                  <p:nvPr/>
+                </p:nvSpPr>
+                <p:spPr>
+                  <a:xfrm>
+                    <a:off x="7802880" y="2682239"/>
+                    <a:ext cx="2011680" cy="3004457"/>
+                  </a:xfrm>
+                  <a:prstGeom prst="rect">
+                    <a:avLst/>
+                  </a:prstGeom>
+                  <a:noFill/>
+                  <a:ln w="38100">
+                    <a:solidFill>
+                      <a:schemeClr val="tx1"/>
+                    </a:solidFill>
+                  </a:ln>
+                </p:spPr>
+                <p:style>
+                  <a:lnRef idx="2">
+                    <a:schemeClr val="accent1">
+                      <a:shade val="15000"/>
+                    </a:schemeClr>
+                  </a:lnRef>
+                  <a:fillRef idx="1">
+                    <a:schemeClr val="accent1"/>
+                  </a:fillRef>
+                  <a:effectRef idx="0">
+                    <a:schemeClr val="accent1"/>
+                  </a:effectRef>
+                  <a:fontRef idx="minor">
+                    <a:schemeClr val="lt1"/>
+                  </a:fontRef>
+                </p:style>
+                <p:txBody>
+                  <a:bodyPr rtlCol="0" anchor="ctr"/>
+                  <a:lstStyle/>
+                  <a:p>
+                    <a:pPr algn="ctr"/>
+                    <a14:m>
+                      <m:oMathPara xmlns:m="http://schemas.openxmlformats.org/officeDocument/2006/math">
+                        <m:oMathParaPr>
+                          <m:jc m:val="centerGroup"/>
+                        </m:oMathParaPr>
+                        <m:oMath xmlns:m="http://schemas.openxmlformats.org/officeDocument/2006/math">
+                          <m:sSubSup>
+                            <m:sSubSupPr>
+                              <m:ctrlPr>
+                                <a:rPr lang="en-US" sz="3600" i="1" smtClean="0">
+                                  <a:solidFill>
+                                    <a:schemeClr val="tx1"/>
+                                  </a:solidFill>
+                                  <a:latin typeface="Cambria Math" panose="02040503050406030204" pitchFamily="18" charset="0"/>
+                                </a:rPr>
+                              </m:ctrlPr>
+                            </m:sSubSupPr>
+                            <m:e>
+                              <m:r>
+                                <a:rPr lang="en-IN" sz="3600" b="0" i="1" smtClean="0">
+                                  <a:solidFill>
+                                    <a:schemeClr val="tx1"/>
+                                  </a:solidFill>
+                                  <a:latin typeface="Cambria Math" panose="02040503050406030204" pitchFamily="18" charset="0"/>
+                                </a:rPr>
+                                <m:t>𝑂</m:t>
+                              </m:r>
+                              <m:r>
+                                <a:rPr lang="en-IN" sz="3600" b="0" i="1" smtClean="0">
+                                  <a:solidFill>
+                                    <a:schemeClr val="tx1"/>
+                                  </a:solidFill>
+                                  <a:latin typeface="Cambria Math" panose="02040503050406030204" pitchFamily="18" charset="0"/>
+                                </a:rPr>
+                                <m:t>′</m:t>
+                              </m:r>
+                            </m:e>
+                            <m:sub>
+                              <m:r>
+                                <a:rPr lang="en-IN" sz="3600" b="0" i="1" smtClean="0">
+                                  <a:solidFill>
+                                    <a:schemeClr val="tx1"/>
+                                  </a:solidFill>
+                                  <a:latin typeface="Cambria Math" panose="02040503050406030204" pitchFamily="18" charset="0"/>
+                                </a:rPr>
+                                <m:t>𝐴</m:t>
+                              </m:r>
+                            </m:sub>
+                            <m:sup>
+                              <m:r>
+                                <a:rPr lang="en-IN" sz="3600" i="1">
+                                  <a:solidFill>
+                                    <a:schemeClr val="tx1"/>
+                                  </a:solidFill>
+                                  <a:latin typeface="Cambria Math" panose="02040503050406030204" pitchFamily="18" charset="0"/>
+                                </a:rPr>
+                                <m:t>†</m:t>
+                              </m:r>
+                            </m:sup>
+                          </m:sSubSup>
+                        </m:oMath>
+                      </m:oMathPara>
+                    </a14:m>
+                    <a:endParaRPr lang="en-US" sz="3600" dirty="0">
+                      <a:solidFill>
+                        <a:schemeClr val="tx1"/>
+                      </a:solidFill>
+                      <a:latin typeface="Times New Roman" panose="02020603050405020304" pitchFamily="18" charset="0"/>
+                      <a:cs typeface="Times New Roman" panose="02020603050405020304" pitchFamily="18" charset="0"/>
+                    </a:endParaRPr>
+                  </a:p>
+                </p:txBody>
+              </p:sp>
+            </mc:Choice>
+            <mc:Fallback>
+              <p:sp>
+                <p:nvSpPr>
+                  <p:cNvPr id="6" name="Rectangle 5">
+                    <a:extLst>
+                      <a:ext uri="{FF2B5EF4-FFF2-40B4-BE49-F238E27FC236}">
+                        <a16:creationId xmlns:a16="http://schemas.microsoft.com/office/drawing/2014/main" id="{6EB90C20-7423-A3B0-8E10-147A5E2E3B71}"/>
+                      </a:ext>
+                    </a:extLst>
+                  </p:cNvPr>
+                  <p:cNvSpPr>
+                    <a:spLocks noRot="1" noChangeAspect="1" noMove="1" noResize="1" noEditPoints="1" noAdjustHandles="1" noChangeArrowheads="1" noChangeShapeType="1" noTextEdit="1"/>
+                  </p:cNvSpPr>
+                  <p:nvPr/>
+                </p:nvSpPr>
+                <p:spPr>
+                  <a:xfrm>
+                    <a:off x="7802880" y="2682239"/>
+                    <a:ext cx="2011680" cy="3004457"/>
+                  </a:xfrm>
+                  <a:prstGeom prst="rect">
+                    <a:avLst/>
+                  </a:prstGeom>
+                  <a:blipFill>
+                    <a:blip r:embed="rId3"/>
+                    <a:stretch>
+                      <a:fillRect/>
+                    </a:stretch>
+                  </a:blipFill>
+                  <a:ln w="38100">
+                    <a:solidFill>
+                      <a:schemeClr val="tx1"/>
+                    </a:solidFill>
+                  </a:ln>
+                </p:spPr>
+                <p:txBody>
+                  <a:bodyPr/>
+                  <a:lstStyle/>
+                  <a:p>
+                    <a:r>
+                      <a:rPr lang="en-US">
+                        <a:noFill/>
+                      </a:rPr>
+                      <a:t> </a:t>
+                    </a:r>
+                  </a:p>
+                </p:txBody>
+              </p:sp>
+            </mc:Fallback>
+          </mc:AlternateContent>
+          <mc:AlternateContent xmlns:mc="http://schemas.openxmlformats.org/markup-compatibility/2006">
+            <mc:Choice xmlns:a14="http://schemas.microsoft.com/office/drawing/2010/main" Requires="a14">
+              <p:sp>
+                <p:nvSpPr>
+                  <p:cNvPr id="8" name="Rectangle 7">
+                    <a:extLst>
+                      <a:ext uri="{FF2B5EF4-FFF2-40B4-BE49-F238E27FC236}">
+                        <a16:creationId xmlns:a16="http://schemas.microsoft.com/office/drawing/2014/main" id="{54122DD5-ADB3-407E-9859-C7FEC6568CBC}"/>
+                      </a:ext>
+                    </a:extLst>
+                  </p:cNvPr>
+                  <p:cNvSpPr/>
+                  <p:nvPr/>
+                </p:nvSpPr>
+                <p:spPr>
+                  <a:xfrm>
+                    <a:off x="5464628" y="1480457"/>
+                    <a:ext cx="1262743" cy="4206240"/>
+                  </a:xfrm>
+                  <a:prstGeom prst="rect">
+                    <a:avLst/>
+                  </a:prstGeom>
+                  <a:noFill/>
+                  <a:ln w="38100">
+                    <a:solidFill>
+                      <a:schemeClr val="tx1"/>
+                    </a:solidFill>
+                  </a:ln>
+                </p:spPr>
+                <p:style>
+                  <a:lnRef idx="2">
+                    <a:schemeClr val="accent1">
+                      <a:shade val="15000"/>
+                    </a:schemeClr>
+                  </a:lnRef>
+                  <a:fillRef idx="1">
+                    <a:schemeClr val="accent1"/>
+                  </a:fillRef>
+                  <a:effectRef idx="0">
+                    <a:schemeClr val="accent1"/>
+                  </a:effectRef>
+                  <a:fontRef idx="minor">
+                    <a:schemeClr val="lt1"/>
+                  </a:fontRef>
+                </p:style>
+                <p:txBody>
+                  <a:bodyPr rtlCol="0" anchor="ctr"/>
+                  <a:lstStyle/>
+                  <a:p>
+                    <a:pPr algn="ctr"/>
+                    <a14:m>
+                      <m:oMathPara xmlns:m="http://schemas.openxmlformats.org/officeDocument/2006/math">
+                        <m:oMathParaPr>
+                          <m:jc m:val="centerGroup"/>
+                        </m:oMathParaPr>
+                        <m:oMath xmlns:m="http://schemas.openxmlformats.org/officeDocument/2006/math">
+                          <m:r>
+                            <a:rPr lang="en-IN" sz="3600" b="0" i="1" smtClean="0">
+                              <a:solidFill>
+                                <a:schemeClr val="tx1"/>
+                              </a:solidFill>
+                              <a:latin typeface="Cambria Math" panose="02040503050406030204" pitchFamily="18" charset="0"/>
+                            </a:rPr>
+                            <m:t>𝐶𝑅</m:t>
+                          </m:r>
+                        </m:oMath>
+                      </m:oMathPara>
+                    </a14:m>
+                    <a:endParaRPr lang="en-US" sz="3600" dirty="0">
+                      <a:solidFill>
+                        <a:schemeClr val="tx1"/>
+                      </a:solidFill>
+                    </a:endParaRPr>
+                  </a:p>
+                </p:txBody>
+              </p:sp>
+            </mc:Choice>
+            <mc:Fallback>
+              <p:sp>
+                <p:nvSpPr>
+                  <p:cNvPr id="8" name="Rectangle 7">
+                    <a:extLst>
+                      <a:ext uri="{FF2B5EF4-FFF2-40B4-BE49-F238E27FC236}">
+                        <a16:creationId xmlns:a16="http://schemas.microsoft.com/office/drawing/2014/main" id="{54122DD5-ADB3-407E-9859-C7FEC6568CBC}"/>
+                      </a:ext>
+                    </a:extLst>
+                  </p:cNvPr>
+                  <p:cNvSpPr>
+                    <a:spLocks noRot="1" noChangeAspect="1" noMove="1" noResize="1" noEditPoints="1" noAdjustHandles="1" noChangeArrowheads="1" noChangeShapeType="1" noTextEdit="1"/>
+                  </p:cNvSpPr>
+                  <p:nvPr/>
+                </p:nvSpPr>
+                <p:spPr>
+                  <a:xfrm>
+                    <a:off x="5464628" y="1480457"/>
+                    <a:ext cx="1262743" cy="4206240"/>
+                  </a:xfrm>
+                  <a:prstGeom prst="rect">
+                    <a:avLst/>
+                  </a:prstGeom>
+                  <a:blipFill>
+                    <a:blip r:embed="rId4"/>
+                    <a:stretch>
+                      <a:fillRect/>
+                    </a:stretch>
+                  </a:blipFill>
+                  <a:ln w="38100">
+                    <a:solidFill>
+                      <a:schemeClr val="tx1"/>
+                    </a:solidFill>
+                  </a:ln>
+                </p:spPr>
+                <p:txBody>
+                  <a:bodyPr/>
+                  <a:lstStyle/>
+                  <a:p>
+                    <a:r>
+                      <a:rPr lang="en-US">
+                        <a:noFill/>
+                      </a:rPr>
+                      <a:t> </a:t>
+                    </a:r>
+                  </a:p>
+                </p:txBody>
+              </p:sp>
+            </mc:Fallback>
+          </mc:AlternateContent>
+          <p:cxnSp>
+            <p:nvCxnSpPr>
+              <p:cNvPr id="10" name="Straight Connector 9">
+                <a:extLst>
+                  <a:ext uri="{FF2B5EF4-FFF2-40B4-BE49-F238E27FC236}">
+                    <a16:creationId xmlns:a16="http://schemas.microsoft.com/office/drawing/2014/main" id="{32E6CE9C-1253-6F14-A0AE-FB7CAB0A1259}"/>
+                  </a:ext>
+                </a:extLst>
+              </p:cNvPr>
+              <p:cNvCxnSpPr/>
+              <p:nvPr/>
+            </p:nvCxnSpPr>
+            <p:spPr>
+              <a:xfrm>
+                <a:off x="1532707" y="5158086"/>
+                <a:ext cx="844731" cy="0"/>
+              </a:xfrm>
+              <a:prstGeom prst="line">
+                <a:avLst/>
+              </a:prstGeom>
+              <a:ln w="38100">
+                <a:solidFill>
+                  <a:schemeClr val="tx1"/>
+                </a:solidFill>
+              </a:ln>
+            </p:spPr>
+            <p:style>
+              <a:lnRef idx="1">
+                <a:schemeClr val="accent1"/>
+              </a:lnRef>
+              <a:fillRef idx="0">
+                <a:schemeClr val="accent1"/>
+              </a:fillRef>
+              <a:effectRef idx="0">
+                <a:schemeClr val="accent1"/>
+              </a:effectRef>
+              <a:fontRef idx="minor">
+                <a:schemeClr val="tx1"/>
+              </a:fontRef>
+            </p:style>
+          </p:cxnSp>
+          <p:cxnSp>
+            <p:nvCxnSpPr>
+              <p:cNvPr id="11" name="Straight Connector 10">
+                <a:extLst>
+                  <a:ext uri="{FF2B5EF4-FFF2-40B4-BE49-F238E27FC236}">
+                    <a16:creationId xmlns:a16="http://schemas.microsoft.com/office/drawing/2014/main" id="{4D296D0E-652D-E7A3-FFD1-77B25AA5B5E9}"/>
+                  </a:ext>
+                </a:extLst>
+              </p:cNvPr>
+              <p:cNvCxnSpPr/>
+              <p:nvPr/>
+            </p:nvCxnSpPr>
+            <p:spPr>
+              <a:xfrm>
+                <a:off x="1532708" y="3570514"/>
+                <a:ext cx="844731" cy="0"/>
+              </a:xfrm>
+              <a:prstGeom prst="line">
+                <a:avLst/>
+              </a:prstGeom>
+              <a:ln w="38100">
+                <a:solidFill>
+                  <a:schemeClr val="tx1"/>
+                </a:solidFill>
+              </a:ln>
+            </p:spPr>
+            <p:style>
+              <a:lnRef idx="1">
+                <a:schemeClr val="accent1"/>
+              </a:lnRef>
+              <a:fillRef idx="0">
+                <a:schemeClr val="accent1"/>
+              </a:fillRef>
+              <a:effectRef idx="0">
+                <a:schemeClr val="accent1"/>
+              </a:effectRef>
+              <a:fontRef idx="minor">
+                <a:schemeClr val="tx1"/>
+              </a:fontRef>
+            </p:style>
+          </p:cxnSp>
+          <p:cxnSp>
+            <p:nvCxnSpPr>
+              <p:cNvPr id="12" name="Straight Connector 11">
+                <a:extLst>
+                  <a:ext uri="{FF2B5EF4-FFF2-40B4-BE49-F238E27FC236}">
+                    <a16:creationId xmlns:a16="http://schemas.microsoft.com/office/drawing/2014/main" id="{06051491-6007-FB19-43EB-50BEADD6FC04}"/>
+                  </a:ext>
+                </a:extLst>
+              </p:cNvPr>
+              <p:cNvCxnSpPr>
+                <a:cxnSpLocks/>
+              </p:cNvCxnSpPr>
+              <p:nvPr/>
+            </p:nvCxnSpPr>
+            <p:spPr>
+              <a:xfrm>
+                <a:off x="4389120" y="5162440"/>
+                <a:ext cx="1075508" cy="0"/>
+              </a:xfrm>
+              <a:prstGeom prst="line">
+                <a:avLst/>
+              </a:prstGeom>
+              <a:ln w="38100">
+                <a:solidFill>
+                  <a:schemeClr val="tx1"/>
+                </a:solidFill>
+              </a:ln>
+            </p:spPr>
+            <p:style>
+              <a:lnRef idx="1">
+                <a:schemeClr val="accent1"/>
+              </a:lnRef>
+              <a:fillRef idx="0">
+                <a:schemeClr val="accent1"/>
+              </a:fillRef>
+              <a:effectRef idx="0">
+                <a:schemeClr val="accent1"/>
+              </a:effectRef>
+              <a:fontRef idx="minor">
+                <a:schemeClr val="tx1"/>
+              </a:fontRef>
+            </p:style>
+          </p:cxnSp>
+          <p:cxnSp>
+            <p:nvCxnSpPr>
+              <p:cNvPr id="14" name="Straight Connector 13">
+                <a:extLst>
+                  <a:ext uri="{FF2B5EF4-FFF2-40B4-BE49-F238E27FC236}">
+                    <a16:creationId xmlns:a16="http://schemas.microsoft.com/office/drawing/2014/main" id="{1929DF25-6985-E0F6-8E1C-83F5A4752D13}"/>
+                  </a:ext>
+                </a:extLst>
+              </p:cNvPr>
+              <p:cNvCxnSpPr>
+                <a:cxnSpLocks/>
+              </p:cNvCxnSpPr>
+              <p:nvPr/>
+            </p:nvCxnSpPr>
+            <p:spPr>
+              <a:xfrm>
+                <a:off x="4389120" y="3531325"/>
+                <a:ext cx="1075508" cy="0"/>
+              </a:xfrm>
+              <a:prstGeom prst="line">
+                <a:avLst/>
+              </a:prstGeom>
+              <a:ln w="38100">
+                <a:solidFill>
+                  <a:schemeClr val="tx1"/>
+                </a:solidFill>
+              </a:ln>
+            </p:spPr>
+            <p:style>
+              <a:lnRef idx="1">
+                <a:schemeClr val="accent1"/>
+              </a:lnRef>
+              <a:fillRef idx="0">
+                <a:schemeClr val="accent1"/>
+              </a:fillRef>
+              <a:effectRef idx="0">
+                <a:schemeClr val="accent1"/>
+              </a:effectRef>
+              <a:fontRef idx="minor">
+                <a:schemeClr val="tx1"/>
+              </a:fontRef>
+            </p:style>
+          </p:cxnSp>
+          <p:cxnSp>
+            <p:nvCxnSpPr>
+              <p:cNvPr id="15" name="Straight Connector 14">
+                <a:extLst>
+                  <a:ext uri="{FF2B5EF4-FFF2-40B4-BE49-F238E27FC236}">
+                    <a16:creationId xmlns:a16="http://schemas.microsoft.com/office/drawing/2014/main" id="{E96AE932-E20F-57B7-C8E7-4930D0CF3F43}"/>
+                  </a:ext>
+                </a:extLst>
+              </p:cNvPr>
+              <p:cNvCxnSpPr>
+                <a:cxnSpLocks/>
+              </p:cNvCxnSpPr>
+              <p:nvPr/>
+            </p:nvCxnSpPr>
+            <p:spPr>
+              <a:xfrm>
+                <a:off x="6727371" y="5136315"/>
+                <a:ext cx="1075508" cy="0"/>
+              </a:xfrm>
+              <a:prstGeom prst="line">
+                <a:avLst/>
+              </a:prstGeom>
+              <a:ln w="38100">
+                <a:solidFill>
+                  <a:schemeClr val="tx1"/>
+                </a:solidFill>
+              </a:ln>
+            </p:spPr>
+            <p:style>
+              <a:lnRef idx="1">
+                <a:schemeClr val="accent1"/>
+              </a:lnRef>
+              <a:fillRef idx="0">
+                <a:schemeClr val="accent1"/>
+              </a:fillRef>
+              <a:effectRef idx="0">
+                <a:schemeClr val="accent1"/>
+              </a:effectRef>
+              <a:fontRef idx="minor">
+                <a:schemeClr val="tx1"/>
+              </a:fontRef>
+            </p:style>
+          </p:cxnSp>
+          <p:cxnSp>
+            <p:nvCxnSpPr>
+              <p:cNvPr id="16" name="Straight Connector 15">
+                <a:extLst>
+                  <a:ext uri="{FF2B5EF4-FFF2-40B4-BE49-F238E27FC236}">
+                    <a16:creationId xmlns:a16="http://schemas.microsoft.com/office/drawing/2014/main" id="{554619E8-A663-CCF6-D5C7-668AD5251C1C}"/>
+                  </a:ext>
+                </a:extLst>
+              </p:cNvPr>
+              <p:cNvCxnSpPr>
+                <a:cxnSpLocks/>
+              </p:cNvCxnSpPr>
+              <p:nvPr/>
+            </p:nvCxnSpPr>
+            <p:spPr>
+              <a:xfrm>
+                <a:off x="6727371" y="3531325"/>
+                <a:ext cx="1075508" cy="0"/>
+              </a:xfrm>
+              <a:prstGeom prst="line">
+                <a:avLst/>
+              </a:prstGeom>
+              <a:ln w="38100">
+                <a:solidFill>
+                  <a:schemeClr val="tx1"/>
+                </a:solidFill>
+              </a:ln>
+            </p:spPr>
+            <p:style>
+              <a:lnRef idx="1">
+                <a:schemeClr val="accent1"/>
+              </a:lnRef>
+              <a:fillRef idx="0">
+                <a:schemeClr val="accent1"/>
+              </a:fillRef>
+              <a:effectRef idx="0">
+                <a:schemeClr val="accent1"/>
+              </a:effectRef>
+              <a:fontRef idx="minor">
+                <a:schemeClr val="tx1"/>
+              </a:fontRef>
+            </p:style>
+          </p:cxnSp>
+          <p:cxnSp>
+            <p:nvCxnSpPr>
+              <p:cNvPr id="17" name="Straight Connector 16">
+                <a:extLst>
+                  <a:ext uri="{FF2B5EF4-FFF2-40B4-BE49-F238E27FC236}">
+                    <a16:creationId xmlns:a16="http://schemas.microsoft.com/office/drawing/2014/main" id="{588D17A3-9B00-AF60-1217-CA17CE05CBBB}"/>
+                  </a:ext>
+                </a:extLst>
+              </p:cNvPr>
+              <p:cNvCxnSpPr/>
+              <p:nvPr/>
+            </p:nvCxnSpPr>
+            <p:spPr>
+              <a:xfrm>
+                <a:off x="9814560" y="3433354"/>
+                <a:ext cx="844731" cy="0"/>
+              </a:xfrm>
+              <a:prstGeom prst="line">
+                <a:avLst/>
+              </a:prstGeom>
+              <a:ln w="38100">
+                <a:solidFill>
+                  <a:schemeClr val="tx1"/>
+                </a:solidFill>
+              </a:ln>
+            </p:spPr>
+            <p:style>
+              <a:lnRef idx="1">
+                <a:schemeClr val="accent1"/>
+              </a:lnRef>
+              <a:fillRef idx="0">
+                <a:schemeClr val="accent1"/>
+              </a:fillRef>
+              <a:effectRef idx="0">
+                <a:schemeClr val="accent1"/>
+              </a:effectRef>
+              <a:fontRef idx="minor">
+                <a:schemeClr val="tx1"/>
+              </a:fontRef>
+            </p:style>
+          </p:cxnSp>
+          <p:cxnSp>
+            <p:nvCxnSpPr>
+              <p:cNvPr id="18" name="Straight Connector 17">
+                <a:extLst>
+                  <a:ext uri="{FF2B5EF4-FFF2-40B4-BE49-F238E27FC236}">
+                    <a16:creationId xmlns:a16="http://schemas.microsoft.com/office/drawing/2014/main" id="{C69B2398-60C1-EE2D-8C06-2FB04168BCFA}"/>
+                  </a:ext>
+                </a:extLst>
+              </p:cNvPr>
+              <p:cNvCxnSpPr/>
+              <p:nvPr/>
+            </p:nvCxnSpPr>
+            <p:spPr>
+              <a:xfrm>
+                <a:off x="9814559" y="5158086"/>
+                <a:ext cx="844731" cy="0"/>
+              </a:xfrm>
+              <a:prstGeom prst="line">
+                <a:avLst/>
+              </a:prstGeom>
+              <a:ln w="38100">
+                <a:solidFill>
+                  <a:schemeClr val="tx1"/>
+                </a:solidFill>
+              </a:ln>
+            </p:spPr>
+            <p:style>
+              <a:lnRef idx="1">
+                <a:schemeClr val="accent1"/>
+              </a:lnRef>
+              <a:fillRef idx="0">
+                <a:schemeClr val="accent1"/>
+              </a:fillRef>
+              <a:effectRef idx="0">
+                <a:schemeClr val="accent1"/>
+              </a:effectRef>
+              <a:fontRef idx="minor">
+                <a:schemeClr val="tx1"/>
+              </a:fontRef>
+            </p:style>
+          </p:cxnSp>
+          <p:cxnSp>
+            <p:nvCxnSpPr>
+              <p:cNvPr id="20" name="Straight Connector 19">
+                <a:extLst>
+                  <a:ext uri="{FF2B5EF4-FFF2-40B4-BE49-F238E27FC236}">
+                    <a16:creationId xmlns:a16="http://schemas.microsoft.com/office/drawing/2014/main" id="{8DB547B3-3921-AB3B-454F-122D60B7549C}"/>
+                  </a:ext>
+                </a:extLst>
+              </p:cNvPr>
+              <p:cNvCxnSpPr/>
+              <p:nvPr/>
+            </p:nvCxnSpPr>
+            <p:spPr>
+              <a:xfrm>
+                <a:off x="1532709" y="1950720"/>
+                <a:ext cx="3931919" cy="0"/>
+              </a:xfrm>
+              <a:prstGeom prst="line">
+                <a:avLst/>
+              </a:prstGeom>
+              <a:ln w="38100">
+                <a:solidFill>
+                  <a:schemeClr val="tx1"/>
+                </a:solidFill>
+              </a:ln>
+            </p:spPr>
+            <p:style>
+              <a:lnRef idx="1">
+                <a:schemeClr val="accent1"/>
+              </a:lnRef>
+              <a:fillRef idx="0">
+                <a:schemeClr val="accent1"/>
+              </a:fillRef>
+              <a:effectRef idx="0">
+                <a:schemeClr val="accent1"/>
+              </a:effectRef>
+              <a:fontRef idx="minor">
+                <a:schemeClr val="tx1"/>
+              </a:fontRef>
+            </p:style>
+          </p:cxnSp>
+          <p:cxnSp>
+            <p:nvCxnSpPr>
+              <p:cNvPr id="22" name="Straight Connector 21">
+                <a:extLst>
+                  <a:ext uri="{FF2B5EF4-FFF2-40B4-BE49-F238E27FC236}">
+                    <a16:creationId xmlns:a16="http://schemas.microsoft.com/office/drawing/2014/main" id="{B6AD3EB2-B718-C562-6F58-64F56EE78305}"/>
+                  </a:ext>
+                </a:extLst>
+              </p:cNvPr>
+              <p:cNvCxnSpPr/>
+              <p:nvPr/>
+            </p:nvCxnSpPr>
+            <p:spPr>
+              <a:xfrm>
+                <a:off x="6731726" y="1950720"/>
+                <a:ext cx="3931919" cy="0"/>
+              </a:xfrm>
+              <a:prstGeom prst="line">
+                <a:avLst/>
+              </a:prstGeom>
+              <a:ln w="38100">
+                <a:solidFill>
+                  <a:schemeClr val="tx1"/>
+                </a:solidFill>
+              </a:ln>
+            </p:spPr>
+            <p:style>
+              <a:lnRef idx="1">
+                <a:schemeClr val="accent1"/>
+              </a:lnRef>
+              <a:fillRef idx="0">
+                <a:schemeClr val="accent1"/>
+              </a:fillRef>
+              <a:effectRef idx="0">
+                <a:schemeClr val="accent1"/>
+              </a:effectRef>
+              <a:fontRef idx="minor">
+                <a:schemeClr val="tx1"/>
+              </a:fontRef>
+            </p:style>
+          </p:cxnSp>
+          <mc:AlternateContent xmlns:mc="http://schemas.openxmlformats.org/markup-compatibility/2006" xmlns:a14="http://schemas.microsoft.com/office/drawing/2010/main">
+            <mc:Choice Requires="a14">
+              <p:sp>
+                <p:nvSpPr>
+                  <p:cNvPr id="23" name="TextBox 22">
+                    <a:extLst>
+                      <a:ext uri="{FF2B5EF4-FFF2-40B4-BE49-F238E27FC236}">
+                        <a16:creationId xmlns:a16="http://schemas.microsoft.com/office/drawing/2014/main" id="{E77345BF-B52B-34A6-1BAE-DC6BA9CEF56F}"/>
+                      </a:ext>
+                    </a:extLst>
+                  </p:cNvPr>
+                  <p:cNvSpPr txBox="1"/>
+                  <p:nvPr/>
+                </p:nvSpPr>
+                <p:spPr>
+                  <a:xfrm>
+                    <a:off x="432657" y="3287486"/>
+                    <a:ext cx="804066" cy="468205"/>
+                  </a:xfrm>
+                  <a:prstGeom prst="rect">
+                    <a:avLst/>
+                  </a:prstGeom>
+                  <a:noFill/>
+                </p:spPr>
+                <p:txBody>
+                  <a:bodyPr wrap="none" rtlCol="0">
+                    <a:spAutoFit/>
+                  </a:bodyPr>
+                  <a:lstStyle/>
+                  <a:p>
+                    <a:pPr/>
+                    <a14:m>
+                      <m:oMathPara xmlns:m="http://schemas.openxmlformats.org/officeDocument/2006/math">
+                        <m:oMathParaPr>
+                          <m:jc m:val="centerGroup"/>
+                        </m:oMathParaPr>
+                        <m:oMath xmlns:m="http://schemas.openxmlformats.org/officeDocument/2006/math">
+                          <m:r>
+                            <a:rPr lang="en-IN" sz="2400" b="0" i="1" smtClean="0">
+                              <a:latin typeface="Cambria Math" panose="02040503050406030204" pitchFamily="18" charset="0"/>
+                            </a:rPr>
+                            <m:t>|</m:t>
+                          </m:r>
+                          <m:sSup>
+                            <m:sSupPr>
+                              <m:ctrlPr>
+                                <a:rPr lang="en-IN" sz="2400" b="0" i="1" smtClean="0">
+                                  <a:latin typeface="Cambria Math" panose="02040503050406030204" pitchFamily="18" charset="0"/>
+                                </a:rPr>
+                              </m:ctrlPr>
+                            </m:sSupPr>
+                            <m:e>
+                              <m:r>
+                                <a:rPr lang="en-IN" sz="2400" b="0" i="1" smtClean="0">
+                                  <a:latin typeface="Cambria Math" panose="02040503050406030204" pitchFamily="18" charset="0"/>
+                                </a:rPr>
+                                <m:t>0</m:t>
+                              </m:r>
+                            </m:e>
+                            <m:sup>
+                              <m:r>
+                                <a:rPr lang="en-IN" sz="2400" b="0" i="1" smtClean="0">
+                                  <a:latin typeface="Cambria Math" panose="02040503050406030204" pitchFamily="18" charset="0"/>
+                                </a:rPr>
+                                <m:t>𝑑</m:t>
+                              </m:r>
+                            </m:sup>
+                          </m:sSup>
+                          <m:r>
+                            <a:rPr lang="en-IN" sz="2400" b="0" i="1" smtClean="0">
+                              <a:latin typeface="Cambria Math" panose="02040503050406030204" pitchFamily="18" charset="0"/>
+                            </a:rPr>
+                            <m:t>⟩</m:t>
+                          </m:r>
+                        </m:oMath>
+                      </m:oMathPara>
+                    </a14:m>
+                    <a:endParaRPr lang="en-US" sz="2400" dirty="0"/>
+                  </a:p>
+                </p:txBody>
+              </p:sp>
+            </mc:Choice>
+            <mc:Fallback xmlns="">
+              <p:sp>
+                <p:nvSpPr>
+                  <p:cNvPr id="23" name="TextBox 22">
+                    <a:extLst>
+                      <a:ext uri="{FF2B5EF4-FFF2-40B4-BE49-F238E27FC236}">
+                        <a16:creationId xmlns:a16="http://schemas.microsoft.com/office/drawing/2014/main" id="{E77345BF-B52B-34A6-1BAE-DC6BA9CEF56F}"/>
+                      </a:ext>
+                    </a:extLst>
+                  </p:cNvPr>
+                  <p:cNvSpPr txBox="1">
+                    <a:spLocks noRot="1" noChangeAspect="1" noMove="1" noResize="1" noEditPoints="1" noAdjustHandles="1" noChangeArrowheads="1" noChangeShapeType="1" noTextEdit="1"/>
+                  </p:cNvSpPr>
+                  <p:nvPr/>
+                </p:nvSpPr>
+                <p:spPr>
+                  <a:xfrm>
+                    <a:off x="432657" y="3287486"/>
+                    <a:ext cx="804066" cy="468205"/>
+                  </a:xfrm>
+                  <a:prstGeom prst="rect">
+                    <a:avLst/>
+                  </a:prstGeom>
+                  <a:blipFill>
+                    <a:blip r:embed="rId5"/>
+                    <a:stretch>
+                      <a:fillRect l="-1515" r="-1515" b="-18182"/>
+                    </a:stretch>
+                  </a:blipFill>
+                </p:spPr>
+                <p:txBody>
+                  <a:bodyPr/>
+                  <a:lstStyle/>
+                  <a:p>
+                    <a:r>
+                      <a:rPr lang="en-US">
+                        <a:noFill/>
+                      </a:rPr>
+                      <a:t> </a:t>
+                    </a:r>
+                  </a:p>
+                </p:txBody>
+              </p:sp>
+            </mc:Fallback>
+          </mc:AlternateContent>
+          <mc:AlternateContent xmlns:mc="http://schemas.openxmlformats.org/markup-compatibility/2006" xmlns:a14="http://schemas.microsoft.com/office/drawing/2010/main">
+            <mc:Choice Requires="a14">
+              <p:sp>
+                <p:nvSpPr>
+                  <p:cNvPr id="26" name="TextBox 25">
+                    <a:extLst>
+                      <a:ext uri="{FF2B5EF4-FFF2-40B4-BE49-F238E27FC236}">
+                        <a16:creationId xmlns:a16="http://schemas.microsoft.com/office/drawing/2014/main" id="{F61C498D-E088-028D-5858-FB4A9B1AF34E}"/>
+                      </a:ext>
+                    </a:extLst>
+                  </p:cNvPr>
+                  <p:cNvSpPr txBox="1"/>
+                  <p:nvPr/>
+                </p:nvSpPr>
+                <p:spPr>
+                  <a:xfrm>
+                    <a:off x="716099" y="1719887"/>
+                    <a:ext cx="639919" cy="461665"/>
+                  </a:xfrm>
+                  <a:prstGeom prst="rect">
+                    <a:avLst/>
+                  </a:prstGeom>
+                  <a:noFill/>
+                </p:spPr>
+                <p:txBody>
+                  <a:bodyPr wrap="none" rtlCol="0">
+                    <a:spAutoFit/>
+                  </a:bodyPr>
+                  <a:lstStyle/>
+                  <a:p>
+                    <a:pPr/>
+                    <a14:m>
+                      <m:oMathPara xmlns:m="http://schemas.openxmlformats.org/officeDocument/2006/math">
+                        <m:oMathParaPr>
+                          <m:jc m:val="centerGroup"/>
+                        </m:oMathParaPr>
+                        <m:oMath xmlns:m="http://schemas.openxmlformats.org/officeDocument/2006/math">
+                          <m:r>
+                            <a:rPr lang="en-IN" sz="2400" b="0" i="1" smtClean="0">
+                              <a:latin typeface="Cambria Math" panose="02040503050406030204" pitchFamily="18" charset="0"/>
+                            </a:rPr>
+                            <m:t>|0⟩</m:t>
+                          </m:r>
+                        </m:oMath>
+                      </m:oMathPara>
+                    </a14:m>
+                    <a:endParaRPr lang="en-US" sz="2400" dirty="0"/>
+                  </a:p>
+                </p:txBody>
+              </p:sp>
+            </mc:Choice>
+            <mc:Fallback xmlns="">
+              <p:sp>
+                <p:nvSpPr>
+                  <p:cNvPr id="26" name="TextBox 25">
+                    <a:extLst>
+                      <a:ext uri="{FF2B5EF4-FFF2-40B4-BE49-F238E27FC236}">
+                        <a16:creationId xmlns:a16="http://schemas.microsoft.com/office/drawing/2014/main" id="{F61C498D-E088-028D-5858-FB4A9B1AF34E}"/>
+                      </a:ext>
+                    </a:extLst>
+                  </p:cNvPr>
+                  <p:cNvSpPr txBox="1">
+                    <a:spLocks noRot="1" noChangeAspect="1" noMove="1" noResize="1" noEditPoints="1" noAdjustHandles="1" noChangeArrowheads="1" noChangeShapeType="1" noTextEdit="1"/>
+                  </p:cNvSpPr>
+                  <p:nvPr/>
+                </p:nvSpPr>
+                <p:spPr>
+                  <a:xfrm>
+                    <a:off x="716099" y="1719887"/>
+                    <a:ext cx="639919" cy="461665"/>
+                  </a:xfrm>
+                  <a:prstGeom prst="rect">
+                    <a:avLst/>
+                  </a:prstGeom>
+                  <a:blipFill>
+                    <a:blip r:embed="rId6"/>
+                    <a:stretch>
+                      <a:fillRect l="-952" r="-2857" b="-18421"/>
+                    </a:stretch>
+                  </a:blipFill>
+                </p:spPr>
+                <p:txBody>
+                  <a:bodyPr/>
+                  <a:lstStyle/>
+                  <a:p>
+                    <a:r>
+                      <a:rPr lang="en-US">
+                        <a:noFill/>
+                      </a:rPr>
+                      <a:t> </a:t>
+                    </a:r>
+                  </a:p>
+                </p:txBody>
+              </p:sp>
+            </mc:Fallback>
+          </mc:AlternateContent>
+          <mc:AlternateContent xmlns:mc="http://schemas.openxmlformats.org/markup-compatibility/2006">
+            <mc:Choice xmlns:a14="http://schemas.microsoft.com/office/drawing/2010/main" Requires="a14">
+              <p:sp>
+                <p:nvSpPr>
+                  <p:cNvPr id="27" name="TextBox 26">
+                    <a:extLst>
+                      <a:ext uri="{FF2B5EF4-FFF2-40B4-BE49-F238E27FC236}">
+                        <a16:creationId xmlns:a16="http://schemas.microsoft.com/office/drawing/2014/main" id="{4708E443-5993-0ED1-D70F-BACCB7D1859F}"/>
+                      </a:ext>
+                    </a:extLst>
+                  </p:cNvPr>
+                  <p:cNvSpPr txBox="1"/>
+                  <p:nvPr/>
+                </p:nvSpPr>
+                <p:spPr>
+                  <a:xfrm>
+                    <a:off x="545925" y="4087831"/>
+                    <a:ext cx="577530" cy="461665"/>
+                  </a:xfrm>
+                  <a:prstGeom prst="rect">
+                    <a:avLst/>
+                  </a:prstGeom>
+                  <a:noFill/>
+                </p:spPr>
+                <p:txBody>
+                  <a:bodyPr wrap="none" rtlCol="0">
+                    <a:spAutoFit/>
+                  </a:bodyPr>
+                  <a:lstStyle/>
+                  <a:p>
+                    <a:pPr/>
+                    <a14:m>
+                      <m:oMathPara xmlns:m="http://schemas.openxmlformats.org/officeDocument/2006/math">
+                        <m:oMathParaPr>
+                          <m:jc m:val="centerGroup"/>
+                        </m:oMathParaPr>
+                        <m:oMath xmlns:m="http://schemas.openxmlformats.org/officeDocument/2006/math">
+                          <m:r>
+                            <a:rPr lang="en-IN" sz="2400" b="0" i="1" smtClean="0">
+                              <a:latin typeface="Cambria Math" panose="02040503050406030204" pitchFamily="18" charset="0"/>
+                            </a:rPr>
+                            <m:t>|</m:t>
+                          </m:r>
+                          <m:r>
+                            <a:rPr lang="en-IN" sz="2400" b="0" i="1" smtClean="0">
+                              <a:latin typeface="Cambria Math" panose="02040503050406030204" pitchFamily="18" charset="0"/>
+                            </a:rPr>
+                            <m:t>𝑖</m:t>
+                          </m:r>
+                          <m:r>
+                            <a:rPr lang="en-IN" sz="2400" b="0" i="1" smtClean="0">
+                              <a:latin typeface="Cambria Math" panose="02040503050406030204" pitchFamily="18" charset="0"/>
+                            </a:rPr>
+                            <m:t>⟩</m:t>
+                          </m:r>
+                        </m:oMath>
+                      </m:oMathPara>
+                    </a14:m>
+                    <a:endParaRPr lang="en-US" sz="2400" dirty="0"/>
+                  </a:p>
+                </p:txBody>
+              </p:sp>
+            </mc:Choice>
+            <mc:Fallback>
+              <p:sp>
+                <p:nvSpPr>
+                  <p:cNvPr id="27" name="TextBox 26">
+                    <a:extLst>
+                      <a:ext uri="{FF2B5EF4-FFF2-40B4-BE49-F238E27FC236}">
+                        <a16:creationId xmlns:a16="http://schemas.microsoft.com/office/drawing/2014/main" id="{4708E443-5993-0ED1-D70F-BACCB7D1859F}"/>
+                      </a:ext>
+                    </a:extLst>
+                  </p:cNvPr>
+                  <p:cNvSpPr txBox="1">
+                    <a:spLocks noRot="1" noChangeAspect="1" noMove="1" noResize="1" noEditPoints="1" noAdjustHandles="1" noChangeArrowheads="1" noChangeShapeType="1" noTextEdit="1"/>
+                  </p:cNvSpPr>
+                  <p:nvPr/>
+                </p:nvSpPr>
+                <p:spPr>
+                  <a:xfrm>
+                    <a:off x="545925" y="4087831"/>
+                    <a:ext cx="577530" cy="461665"/>
+                  </a:xfrm>
+                  <a:prstGeom prst="rect">
+                    <a:avLst/>
+                  </a:prstGeom>
+                  <a:blipFill>
+                    <a:blip r:embed="rId7"/>
+                    <a:stretch>
+                      <a:fillRect l="-2128" r="-2128" b="-20000"/>
+                    </a:stretch>
+                  </a:blipFill>
+                </p:spPr>
+                <p:txBody>
+                  <a:bodyPr/>
+                  <a:lstStyle/>
+                  <a:p>
+                    <a:r>
+                      <a:rPr lang="en-US">
+                        <a:noFill/>
+                      </a:rPr>
+                      <a:t> </a:t>
+                    </a:r>
+                  </a:p>
+                </p:txBody>
+              </p:sp>
+            </mc:Fallback>
+          </mc:AlternateContent>
+          <mc:AlternateContent xmlns:mc="http://schemas.openxmlformats.org/markup-compatibility/2006" xmlns:a14="http://schemas.microsoft.com/office/drawing/2010/main">
+            <mc:Choice Requires="a14">
+              <p:sp>
+                <p:nvSpPr>
+                  <p:cNvPr id="29" name="TextBox 28">
+                    <a:extLst>
+                      <a:ext uri="{FF2B5EF4-FFF2-40B4-BE49-F238E27FC236}">
+                        <a16:creationId xmlns:a16="http://schemas.microsoft.com/office/drawing/2014/main" id="{61A5216B-82EB-90FF-2741-1357DABE4581}"/>
+                      </a:ext>
+                    </a:extLst>
+                  </p:cNvPr>
+                  <p:cNvSpPr txBox="1"/>
+                  <p:nvPr/>
+                </p:nvSpPr>
+                <p:spPr>
+                  <a:xfrm>
+                    <a:off x="10659290" y="3179055"/>
+                    <a:ext cx="804066" cy="468205"/>
+                  </a:xfrm>
+                  <a:prstGeom prst="rect">
+                    <a:avLst/>
+                  </a:prstGeom>
+                  <a:noFill/>
+                </p:spPr>
+                <p:txBody>
+                  <a:bodyPr wrap="none" rtlCol="0">
+                    <a:spAutoFit/>
+                  </a:bodyPr>
+                  <a:lstStyle/>
+                  <a:p>
+                    <a:pPr/>
+                    <a14:m>
+                      <m:oMathPara xmlns:m="http://schemas.openxmlformats.org/officeDocument/2006/math">
+                        <m:oMathParaPr>
+                          <m:jc m:val="centerGroup"/>
+                        </m:oMathParaPr>
+                        <m:oMath xmlns:m="http://schemas.openxmlformats.org/officeDocument/2006/math">
+                          <m:r>
+                            <a:rPr lang="en-IN" sz="2400" b="0" i="1" smtClean="0">
+                              <a:latin typeface="Cambria Math" panose="02040503050406030204" pitchFamily="18" charset="0"/>
+                            </a:rPr>
+                            <m:t>|</m:t>
+                          </m:r>
+                          <m:sSup>
+                            <m:sSupPr>
+                              <m:ctrlPr>
+                                <a:rPr lang="en-IN" sz="2400" b="0" i="1" smtClean="0">
+                                  <a:latin typeface="Cambria Math" panose="02040503050406030204" pitchFamily="18" charset="0"/>
+                                </a:rPr>
+                              </m:ctrlPr>
+                            </m:sSupPr>
+                            <m:e>
+                              <m:r>
+                                <a:rPr lang="en-IN" sz="2400" b="0" i="1" smtClean="0">
+                                  <a:latin typeface="Cambria Math" panose="02040503050406030204" pitchFamily="18" charset="0"/>
+                                </a:rPr>
+                                <m:t>0</m:t>
+                              </m:r>
+                            </m:e>
+                            <m:sup>
+                              <m:r>
+                                <a:rPr lang="en-IN" sz="2400" b="0" i="1" smtClean="0">
+                                  <a:latin typeface="Cambria Math" panose="02040503050406030204" pitchFamily="18" charset="0"/>
+                                </a:rPr>
+                                <m:t>𝑑</m:t>
+                              </m:r>
+                            </m:sup>
+                          </m:sSup>
+                          <m:r>
+                            <a:rPr lang="en-IN" sz="2400" b="0" i="1" smtClean="0">
+                              <a:latin typeface="Cambria Math" panose="02040503050406030204" pitchFamily="18" charset="0"/>
+                            </a:rPr>
+                            <m:t>⟩</m:t>
+                          </m:r>
+                        </m:oMath>
+                      </m:oMathPara>
+                    </a14:m>
+                    <a:endParaRPr lang="en-US" sz="2400" dirty="0"/>
+                  </a:p>
+                </p:txBody>
+              </p:sp>
+            </mc:Choice>
+            <mc:Fallback xmlns="">
+              <p:sp>
+                <p:nvSpPr>
+                  <p:cNvPr id="29" name="TextBox 28">
+                    <a:extLst>
+                      <a:ext uri="{FF2B5EF4-FFF2-40B4-BE49-F238E27FC236}">
+                        <a16:creationId xmlns:a16="http://schemas.microsoft.com/office/drawing/2014/main" id="{61A5216B-82EB-90FF-2741-1357DABE4581}"/>
+                      </a:ext>
+                    </a:extLst>
+                  </p:cNvPr>
+                  <p:cNvSpPr txBox="1">
+                    <a:spLocks noRot="1" noChangeAspect="1" noMove="1" noResize="1" noEditPoints="1" noAdjustHandles="1" noChangeArrowheads="1" noChangeShapeType="1" noTextEdit="1"/>
+                  </p:cNvSpPr>
+                  <p:nvPr/>
+                </p:nvSpPr>
+                <p:spPr>
+                  <a:xfrm>
+                    <a:off x="10659290" y="3179055"/>
+                    <a:ext cx="804066" cy="468205"/>
+                  </a:xfrm>
+                  <a:prstGeom prst="rect">
+                    <a:avLst/>
+                  </a:prstGeom>
+                  <a:blipFill>
+                    <a:blip r:embed="rId9"/>
+                    <a:stretch>
+                      <a:fillRect l="-1527" r="-2290" b="-18182"/>
+                    </a:stretch>
+                  </a:blipFill>
+                </p:spPr>
+                <p:txBody>
+                  <a:bodyPr/>
+                  <a:lstStyle/>
+                  <a:p>
+                    <a:r>
+                      <a:rPr lang="en-US">
+                        <a:noFill/>
+                      </a:rPr>
+                      <a:t> </a:t>
+                    </a:r>
+                  </a:p>
+                </p:txBody>
+              </p:sp>
+            </mc:Fallback>
+          </mc:AlternateContent>
+          <mc:AlternateContent xmlns:mc="http://schemas.openxmlformats.org/markup-compatibility/2006">
+            <mc:Choice xmlns:a14="http://schemas.microsoft.com/office/drawing/2010/main" Requires="a14">
+              <p:sp>
+                <p:nvSpPr>
+                  <p:cNvPr id="30" name="TextBox 29">
+                    <a:extLst>
+                      <a:ext uri="{FF2B5EF4-FFF2-40B4-BE49-F238E27FC236}">
+                        <a16:creationId xmlns:a16="http://schemas.microsoft.com/office/drawing/2014/main" id="{DCFEF4E7-820B-D14E-A2E9-6D356258E020}"/>
+                      </a:ext>
+                    </a:extLst>
+                  </p:cNvPr>
+                  <p:cNvSpPr txBox="1"/>
+                  <p:nvPr/>
+                </p:nvSpPr>
+                <p:spPr>
+                  <a:xfrm>
+                    <a:off x="10724202" y="1382574"/>
+                    <a:ext cx="3288977" cy="843885"/>
+                  </a:xfrm>
+                  <a:prstGeom prst="rect">
+                    <a:avLst/>
+                  </a:prstGeom>
+                  <a:noFill/>
+                </p:spPr>
+                <p:txBody>
+                  <a:bodyPr wrap="none" rtlCol="0">
+                    <a:spAutoFit/>
+                  </a:bodyPr>
+                  <a:lstStyle/>
+                  <a:p>
+                    <a:pPr/>
+                    <a14:m>
+                      <m:oMathPara xmlns:m="http://schemas.openxmlformats.org/officeDocument/2006/math">
+                        <m:oMathParaPr>
+                          <m:jc m:val="centerGroup"/>
+                        </m:oMathParaPr>
+                        <m:oMath xmlns:m="http://schemas.openxmlformats.org/officeDocument/2006/math">
+                          <m:sSub>
+                            <m:sSubPr>
+                              <m:ctrlPr>
+                                <a:rPr lang="en-IN" sz="2400" b="0" i="1" smtClean="0">
+                                  <a:latin typeface="Cambria Math" panose="02040503050406030204" pitchFamily="18" charset="0"/>
+                                </a:rPr>
+                              </m:ctrlPr>
+                            </m:sSubPr>
+                            <m:e>
+                              <m:r>
+                                <a:rPr lang="en-IN" sz="2400" b="0" i="1" smtClean="0">
+                                  <a:latin typeface="Cambria Math" panose="02040503050406030204" pitchFamily="18" charset="0"/>
+                                </a:rPr>
+                                <m:t>𝐴</m:t>
+                              </m:r>
+                            </m:e>
+                            <m:sub>
+                              <m:r>
+                                <a:rPr lang="en-IN" sz="2400" b="0" i="1" smtClean="0">
+                                  <a:latin typeface="Cambria Math" panose="02040503050406030204" pitchFamily="18" charset="0"/>
+                                </a:rPr>
+                                <m:t>𝑖𝑗</m:t>
+                              </m:r>
+                            </m:sub>
+                          </m:sSub>
+                          <m:d>
+                            <m:dPr>
+                              <m:begChr m:val="|"/>
+                              <m:endChr m:val="⟩"/>
+                              <m:ctrlPr>
+                                <a:rPr lang="en-IN" sz="2400" b="0" i="1" smtClean="0">
+                                  <a:latin typeface="Cambria Math" panose="02040503050406030204" pitchFamily="18" charset="0"/>
+                                </a:rPr>
+                              </m:ctrlPr>
+                            </m:dPr>
+                            <m:e>
+                              <m:r>
+                                <a:rPr lang="en-IN" sz="2400" b="0" i="1" smtClean="0">
+                                  <a:latin typeface="Cambria Math" panose="02040503050406030204" pitchFamily="18" charset="0"/>
+                                </a:rPr>
+                                <m:t>0</m:t>
+                              </m:r>
+                            </m:e>
+                          </m:d>
+                          <m:r>
+                            <a:rPr lang="en-IN" sz="2400" b="0" i="1" smtClean="0">
+                              <a:latin typeface="Cambria Math" panose="02040503050406030204" pitchFamily="18" charset="0"/>
+                            </a:rPr>
+                            <m:t>+</m:t>
+                          </m:r>
+                          <m:rad>
+                            <m:radPr>
+                              <m:degHide m:val="on"/>
+                              <m:ctrlPr>
+                                <a:rPr lang="en-IN" sz="2400" b="0" i="1" smtClean="0">
+                                  <a:latin typeface="Cambria Math" panose="02040503050406030204" pitchFamily="18" charset="0"/>
+                                </a:rPr>
+                              </m:ctrlPr>
+                            </m:radPr>
+                            <m:deg/>
+                            <m:e>
+                              <m:r>
+                                <a:rPr lang="en-IN" sz="2400" b="0" i="1" smtClean="0">
+                                  <a:latin typeface="Cambria Math" panose="02040503050406030204" pitchFamily="18" charset="0"/>
+                                </a:rPr>
+                                <m:t>1−</m:t>
+                              </m:r>
+                              <m:sSup>
+                                <m:sSupPr>
+                                  <m:ctrlPr>
+                                    <a:rPr lang="en-IN" sz="2400" b="0" i="1" smtClean="0">
+                                      <a:latin typeface="Cambria Math" panose="02040503050406030204" pitchFamily="18" charset="0"/>
+                                    </a:rPr>
+                                  </m:ctrlPr>
+                                </m:sSupPr>
+                                <m:e>
+                                  <m:d>
+                                    <m:dPr>
+                                      <m:begChr m:val="|"/>
+                                      <m:endChr m:val="|"/>
+                                      <m:ctrlPr>
+                                        <a:rPr lang="en-IN" sz="2400" b="0" i="1" smtClean="0">
+                                          <a:latin typeface="Cambria Math" panose="02040503050406030204" pitchFamily="18" charset="0"/>
+                                        </a:rPr>
+                                      </m:ctrlPr>
+                                    </m:dPr>
+                                    <m:e>
+                                      <m:sSub>
+                                        <m:sSubPr>
+                                          <m:ctrlPr>
+                                            <a:rPr lang="en-IN" sz="2400" b="0" i="1" smtClean="0">
+                                              <a:latin typeface="Cambria Math" panose="02040503050406030204" pitchFamily="18" charset="0"/>
+                                            </a:rPr>
+                                          </m:ctrlPr>
+                                        </m:sSubPr>
+                                        <m:e>
+                                          <m:r>
+                                            <a:rPr lang="en-IN" sz="2400" b="0" i="1" smtClean="0">
+                                              <a:latin typeface="Cambria Math" panose="02040503050406030204" pitchFamily="18" charset="0"/>
+                                            </a:rPr>
+                                            <m:t>𝐴</m:t>
+                                          </m:r>
+                                        </m:e>
+                                        <m:sub>
+                                          <m:r>
+                                            <a:rPr lang="en-IN" sz="2400" b="0" i="1" smtClean="0">
+                                              <a:latin typeface="Cambria Math" panose="02040503050406030204" pitchFamily="18" charset="0"/>
+                                            </a:rPr>
+                                            <m:t>𝑖𝑗</m:t>
+                                          </m:r>
+                                        </m:sub>
+                                      </m:sSub>
+                                    </m:e>
+                                  </m:d>
+                                </m:e>
+                                <m:sup>
+                                  <m:r>
+                                    <a:rPr lang="en-IN" sz="2400" b="0" i="1" smtClean="0">
+                                      <a:latin typeface="Cambria Math" panose="02040503050406030204" pitchFamily="18" charset="0"/>
+                                    </a:rPr>
+                                    <m:t>2</m:t>
+                                  </m:r>
+                                </m:sup>
+                              </m:sSup>
+                            </m:e>
+                          </m:rad>
+                          <m:r>
+                            <a:rPr lang="en-IN" sz="2400" b="0" i="1" smtClean="0">
+                              <a:latin typeface="Cambria Math" panose="02040503050406030204" pitchFamily="18" charset="0"/>
+                            </a:rPr>
+                            <m:t>|1⟩</m:t>
+                          </m:r>
+                        </m:oMath>
+                      </m:oMathPara>
+                    </a14:m>
+                    <a:endParaRPr lang="en-US" sz="2400" dirty="0"/>
+                  </a:p>
+                </p:txBody>
+              </p:sp>
+            </mc:Choice>
+            <mc:Fallback>
+              <p:sp>
+                <p:nvSpPr>
+                  <p:cNvPr id="30" name="TextBox 29">
+                    <a:extLst>
+                      <a:ext uri="{FF2B5EF4-FFF2-40B4-BE49-F238E27FC236}">
+                        <a16:creationId xmlns:a16="http://schemas.microsoft.com/office/drawing/2014/main" id="{DCFEF4E7-820B-D14E-A2E9-6D356258E020}"/>
+                      </a:ext>
+                    </a:extLst>
+                  </p:cNvPr>
+                  <p:cNvSpPr txBox="1">
+                    <a:spLocks noRot="1" noChangeAspect="1" noMove="1" noResize="1" noEditPoints="1" noAdjustHandles="1" noChangeArrowheads="1" noChangeShapeType="1" noTextEdit="1"/>
+                  </p:cNvSpPr>
+                  <p:nvPr/>
+                </p:nvSpPr>
+                <p:spPr>
+                  <a:xfrm>
+                    <a:off x="10724202" y="1382574"/>
+                    <a:ext cx="3288977" cy="843885"/>
+                  </a:xfrm>
+                  <a:prstGeom prst="rect">
+                    <a:avLst/>
+                  </a:prstGeom>
+                  <a:blipFill>
+                    <a:blip r:embed="rId10"/>
+                    <a:stretch>
+                      <a:fillRect/>
+                    </a:stretch>
+                  </a:blipFill>
+                </p:spPr>
+                <p:txBody>
+                  <a:bodyPr/>
+                  <a:lstStyle/>
+                  <a:p>
+                    <a:r>
+                      <a:rPr lang="en-US">
+                        <a:noFill/>
+                      </a:rPr>
+                      <a:t> </a:t>
+                    </a:r>
+                  </a:p>
+                </p:txBody>
+              </p:sp>
+            </mc:Fallback>
+          </mc:AlternateContent>
+        </p:grpSp>
+        <mc:AlternateContent xmlns:mc="http://schemas.openxmlformats.org/markup-compatibility/2006">
+          <mc:Choice xmlns:a14="http://schemas.microsoft.com/office/drawing/2010/main" Requires="a14">
             <p:sp>
               <p:nvSpPr>
-                <p:cNvPr id="5" name="Rectangle 4">
+                <p:cNvPr id="2" name="TextBox 1">
                   <a:extLst>
                     <a:ext uri="{FF2B5EF4-FFF2-40B4-BE49-F238E27FC236}">
-                      <a16:creationId xmlns:a16="http://schemas.microsoft.com/office/drawing/2014/main" id="{63F096E2-A564-BFEE-3C0F-3F68A5C748A5}"/>
+                      <a16:creationId xmlns:a16="http://schemas.microsoft.com/office/drawing/2014/main" id="{F504C1BE-6B61-2145-4E0D-F2BA45413BDF}"/>
                     </a:ext>
                   </a:extLst>
                 </p:cNvPr>
-                <p:cNvSpPr/>
+                <p:cNvSpPr txBox="1"/>
                 <p:nvPr/>
               </p:nvSpPr>
               <p:spPr>
                 <a:xfrm>
-                  <a:off x="2377440" y="2682240"/>
-                  <a:ext cx="2011680" cy="3004457"/>
+                  <a:off x="602854" y="4905481"/>
+                  <a:ext cx="585866" cy="461665"/>
                 </a:xfrm>
                 <a:prstGeom prst="rect">
                   <a:avLst/>
                 </a:prstGeom>
                 <a:noFill/>
-                <a:ln w="38100">
-                  <a:solidFill>
-                    <a:schemeClr val="tx1"/>
-                  </a:solidFill>
-                </a:ln>
               </p:spPr>
-              <p:style>
-                <a:lnRef idx="2">
-                  <a:schemeClr val="accent1">
-                    <a:shade val="15000"/>
-                  </a:schemeClr>
-                </a:lnRef>
-                <a:fillRef idx="1">
-                  <a:schemeClr val="accent1"/>
-                </a:fillRef>
-                <a:effectRef idx="0">
-                  <a:schemeClr val="accent1"/>
-                </a:effectRef>
-                <a:fontRef idx="minor">
-                  <a:schemeClr val="lt1"/>
-                </a:fontRef>
-              </p:style>
               <p:txBody>
-                <a:bodyPr rtlCol="0" anchor="ctr"/>
+                <a:bodyPr wrap="none" rtlCol="0">
+                  <a:spAutoFit/>
+                </a:bodyPr>
                 <a:lstStyle/>
                 <a:p>
-                  <a:pPr algn="ctr"/>
+                  <a:pPr/>
                   <a14:m>
                     <m:oMathPara xmlns:m="http://schemas.openxmlformats.org/officeDocument/2006/math">
                       <m:oMathParaPr>
                         <m:jc m:val="centerGroup"/>
                       </m:oMathParaPr>
                       <m:oMath xmlns:m="http://schemas.openxmlformats.org/officeDocument/2006/math">
-                        <m:sSub>
-                          <m:sSubPr>
-                            <m:ctrlPr>
-                              <a:rPr lang="en-US" sz="3600" i="1" smtClean="0">
-                                <a:solidFill>
-                                  <a:schemeClr val="tx1"/>
-                                </a:solidFill>
-                                <a:latin typeface="Cambria Math" panose="02040503050406030204" pitchFamily="18" charset="0"/>
-                                <a:cs typeface="Times New Roman" panose="02020603050405020304" pitchFamily="18" charset="0"/>
-                              </a:rPr>
-                            </m:ctrlPr>
-                          </m:sSubPr>
-                          <m:e>
-                            <m:r>
-                              <a:rPr lang="en-IN" sz="3600" b="0" i="1" smtClean="0">
-                                <a:solidFill>
-                                  <a:schemeClr val="tx1"/>
-                                </a:solidFill>
-                                <a:latin typeface="Cambria Math" panose="02040503050406030204" pitchFamily="18" charset="0"/>
-                                <a:cs typeface="Times New Roman" panose="02020603050405020304" pitchFamily="18" charset="0"/>
-                              </a:rPr>
-                              <m:t>𝑈</m:t>
-                            </m:r>
-                          </m:e>
-                          <m:sub>
-                            <m:r>
-                              <a:rPr lang="en-IN" sz="3600" b="0" i="1" smtClean="0">
-                                <a:solidFill>
-                                  <a:schemeClr val="tx1"/>
-                                </a:solidFill>
-                                <a:latin typeface="Cambria Math" panose="02040503050406030204" pitchFamily="18" charset="0"/>
-                                <a:cs typeface="Times New Roman" panose="02020603050405020304" pitchFamily="18" charset="0"/>
-                              </a:rPr>
-                              <m:t>𝑄𝑃𝐸</m:t>
-                            </m:r>
-                          </m:sub>
-                        </m:sSub>
+                        <m:r>
+                          <a:rPr lang="en-IN" sz="2400" b="0" i="1" smtClean="0">
+                            <a:latin typeface="Cambria Math" panose="02040503050406030204" pitchFamily="18" charset="0"/>
+                          </a:rPr>
+                          <m:t>|</m:t>
+                        </m:r>
+                        <m:r>
+                          <a:rPr lang="en-IN" sz="2400" b="0" i="1" smtClean="0">
+                            <a:latin typeface="Cambria Math" panose="02040503050406030204" pitchFamily="18" charset="0"/>
+                          </a:rPr>
+                          <m:t>𝑗</m:t>
+                        </m:r>
+                        <m:r>
+                          <a:rPr lang="en-IN" sz="2400" b="0" i="1" smtClean="0">
+                            <a:latin typeface="Cambria Math" panose="02040503050406030204" pitchFamily="18" charset="0"/>
+                          </a:rPr>
+                          <m:t>⟩</m:t>
+                        </m:r>
                       </m:oMath>
                     </m:oMathPara>
                   </a14:m>
-                  <a:endParaRPr lang="en-US" sz="3600" dirty="0">
-                    <a:solidFill>
-                      <a:schemeClr val="tx1"/>
-                    </a:solidFill>
-                    <a:latin typeface="Times New Roman" panose="02020603050405020304" pitchFamily="18" charset="0"/>
-                    <a:cs typeface="Times New Roman" panose="02020603050405020304" pitchFamily="18" charset="0"/>
-                  </a:endParaRPr>
+                  <a:endParaRPr lang="en-US" sz="2400" dirty="0"/>
                 </a:p>
               </p:txBody>
             </p:sp>
           </mc:Choice>
-          <mc:Fallback xmlns="">
+          <mc:Fallback>
             <p:sp>
               <p:nvSpPr>
-                <p:cNvPr id="5" name="Rectangle 4">
+                <p:cNvPr id="2" name="TextBox 1">
                   <a:extLst>
                     <a:ext uri="{FF2B5EF4-FFF2-40B4-BE49-F238E27FC236}">
-                      <a16:creationId xmlns:a16="http://schemas.microsoft.com/office/drawing/2014/main" id="{63F096E2-A564-BFEE-3C0F-3F68A5C748A5}"/>
+                      <a16:creationId xmlns:a16="http://schemas.microsoft.com/office/drawing/2014/main" id="{F504C1BE-6B61-2145-4E0D-F2BA45413BDF}"/>
                     </a:ext>
                   </a:extLst>
                 </p:cNvPr>
-                <p:cNvSpPr>
+                <p:cNvSpPr txBox="1">
                   <a:spLocks noRot="1" noChangeAspect="1" noMove="1" noResize="1" noEditPoints="1" noAdjustHandles="1" noChangeArrowheads="1" noChangeShapeType="1" noTextEdit="1"/>
                 </p:cNvSpPr>
                 <p:nvPr/>
               </p:nvSpPr>
               <p:spPr>
                 <a:xfrm>
-                  <a:off x="2377440" y="2682240"/>
-                  <a:ext cx="2011680" cy="3004457"/>
+                  <a:off x="602854" y="4905481"/>
+                  <a:ext cx="585866" cy="461665"/>
                 </a:xfrm>
                 <a:prstGeom prst="rect">
                   <a:avLst/>
                 </a:prstGeom>
                 <a:blipFill>
-                  <a:blip r:embed="rId2"/>
+                  <a:blip r:embed="rId11"/>
                   <a:stretch>
-                    <a:fillRect/>
+                    <a:fillRect l="-2083" r="-1042" b="-20000"/>
                   </a:stretch>
                 </a:blipFill>
-                <a:ln w="38100">
-                  <a:solidFill>
-                    <a:schemeClr val="tx1"/>
-                  </a:solidFill>
-                </a:ln>
-              </p:spPr>
-              <p:txBody>
-                <a:bodyPr/>
-                <a:lstStyle/>
-                <a:p>
-                  <a:r>
-                    <a:rPr lang="en-US">
-                      <a:noFill/>
-                    </a:rPr>
-                    <a:t> </a:t>
-                  </a:r>
-                </a:p>
-              </p:txBody>
-            </p:sp>
-          </mc:Fallback>
-        </mc:AlternateContent>
-        <mc:AlternateContent xmlns:mc="http://schemas.openxmlformats.org/markup-compatibility/2006" xmlns:a14="http://schemas.microsoft.com/office/drawing/2010/main">
-          <mc:Choice Requires="a14">
-            <p:sp>
-              <p:nvSpPr>
-                <p:cNvPr id="6" name="Rectangle 5">
-                  <a:extLst>
-                    <a:ext uri="{FF2B5EF4-FFF2-40B4-BE49-F238E27FC236}">
-                      <a16:creationId xmlns:a16="http://schemas.microsoft.com/office/drawing/2014/main" id="{6EB90C20-7423-A3B0-8E10-147A5E2E3B71}"/>
-                    </a:ext>
-                  </a:extLst>
-                </p:cNvPr>
-                <p:cNvSpPr/>
-                <p:nvPr/>
-              </p:nvSpPr>
-              <p:spPr>
-                <a:xfrm>
-                  <a:off x="7802880" y="2682239"/>
-                  <a:ext cx="2011680" cy="3004457"/>
-                </a:xfrm>
-                <a:prstGeom prst="rect">
-                  <a:avLst/>
-                </a:prstGeom>
-                <a:noFill/>
-                <a:ln w="38100">
-                  <a:solidFill>
-                    <a:schemeClr val="tx1"/>
-                  </a:solidFill>
-                </a:ln>
-              </p:spPr>
-              <p:style>
-                <a:lnRef idx="2">
-                  <a:schemeClr val="accent1">
-                    <a:shade val="15000"/>
-                  </a:schemeClr>
-                </a:lnRef>
-                <a:fillRef idx="1">
-                  <a:schemeClr val="accent1"/>
-                </a:fillRef>
-                <a:effectRef idx="0">
-                  <a:schemeClr val="accent1"/>
-                </a:effectRef>
-                <a:fontRef idx="minor">
-                  <a:schemeClr val="lt1"/>
-                </a:fontRef>
-              </p:style>
-              <p:txBody>
-                <a:bodyPr rtlCol="0" anchor="ctr"/>
-                <a:lstStyle/>
-                <a:p>
-                  <a:pPr algn="ctr"/>
-                  <a14:m>
-                    <m:oMathPara xmlns:m="http://schemas.openxmlformats.org/officeDocument/2006/math">
-                      <m:oMathParaPr>
-                        <m:jc m:val="centerGroup"/>
-                      </m:oMathParaPr>
-                      <m:oMath xmlns:m="http://schemas.openxmlformats.org/officeDocument/2006/math">
-                        <m:sSubSup>
-                          <m:sSubSupPr>
-                            <m:ctrlPr>
-                              <a:rPr lang="en-US" sz="3600" i="1" smtClean="0">
-                                <a:solidFill>
-                                  <a:schemeClr val="tx1"/>
-                                </a:solidFill>
-                                <a:latin typeface="Cambria Math" panose="02040503050406030204" pitchFamily="18" charset="0"/>
-                              </a:rPr>
-                            </m:ctrlPr>
-                          </m:sSubSupPr>
-                          <m:e>
-                            <m:r>
-                              <a:rPr lang="en-IN" sz="3600" b="0" i="1" smtClean="0">
-                                <a:solidFill>
-                                  <a:schemeClr val="tx1"/>
-                                </a:solidFill>
-                                <a:latin typeface="Cambria Math" panose="02040503050406030204" pitchFamily="18" charset="0"/>
-                              </a:rPr>
-                              <m:t>𝑈</m:t>
-                            </m:r>
-                          </m:e>
-                          <m:sub>
-                            <m:r>
-                              <a:rPr lang="en-IN" sz="3600" b="0" i="1" smtClean="0">
-                                <a:solidFill>
-                                  <a:schemeClr val="tx1"/>
-                                </a:solidFill>
-                                <a:latin typeface="Cambria Math" panose="02040503050406030204" pitchFamily="18" charset="0"/>
-                              </a:rPr>
-                              <m:t>𝑄𝑃𝐸</m:t>
-                            </m:r>
-                          </m:sub>
-                          <m:sup>
-                            <m:r>
-                              <a:rPr lang="en-IN" sz="3600" i="1">
-                                <a:solidFill>
-                                  <a:schemeClr val="tx1"/>
-                                </a:solidFill>
-                                <a:latin typeface="Cambria Math" panose="02040503050406030204" pitchFamily="18" charset="0"/>
-                              </a:rPr>
-                              <m:t>†</m:t>
-                            </m:r>
-                          </m:sup>
-                        </m:sSubSup>
-                      </m:oMath>
-                    </m:oMathPara>
-                  </a14:m>
-                  <a:endParaRPr lang="en-US" sz="3600" dirty="0">
-                    <a:solidFill>
-                      <a:schemeClr val="tx1"/>
-                    </a:solidFill>
-                    <a:latin typeface="Times New Roman" panose="02020603050405020304" pitchFamily="18" charset="0"/>
-                    <a:cs typeface="Times New Roman" panose="02020603050405020304" pitchFamily="18" charset="0"/>
-                  </a:endParaRPr>
-                </a:p>
-              </p:txBody>
-            </p:sp>
-          </mc:Choice>
-          <mc:Fallback xmlns="">
-            <p:sp>
-              <p:nvSpPr>
-                <p:cNvPr id="6" name="Rectangle 5">
-                  <a:extLst>
-                    <a:ext uri="{FF2B5EF4-FFF2-40B4-BE49-F238E27FC236}">
-                      <a16:creationId xmlns:a16="http://schemas.microsoft.com/office/drawing/2014/main" id="{6EB90C20-7423-A3B0-8E10-147A5E2E3B71}"/>
-                    </a:ext>
-                  </a:extLst>
-                </p:cNvPr>
-                <p:cNvSpPr>
-                  <a:spLocks noRot="1" noChangeAspect="1" noMove="1" noResize="1" noEditPoints="1" noAdjustHandles="1" noChangeArrowheads="1" noChangeShapeType="1" noTextEdit="1"/>
-                </p:cNvSpPr>
-                <p:nvPr/>
-              </p:nvSpPr>
-              <p:spPr>
-                <a:xfrm>
-                  <a:off x="7802880" y="2682239"/>
-                  <a:ext cx="2011680" cy="3004457"/>
-                </a:xfrm>
-                <a:prstGeom prst="rect">
-                  <a:avLst/>
-                </a:prstGeom>
-                <a:blipFill>
-                  <a:blip r:embed="rId3"/>
-                  <a:stretch>
-                    <a:fillRect/>
-                  </a:stretch>
-                </a:blipFill>
-                <a:ln w="38100">
-                  <a:solidFill>
-                    <a:schemeClr val="tx1"/>
-                  </a:solidFill>
-                </a:ln>
-              </p:spPr>
-              <p:txBody>
-                <a:bodyPr/>
-                <a:lstStyle/>
-                <a:p>
-                  <a:r>
-                    <a:rPr lang="en-US">
-                      <a:noFill/>
-                    </a:rPr>
-                    <a:t> </a:t>
-                  </a:r>
-                </a:p>
-              </p:txBody>
-            </p:sp>
-          </mc:Fallback>
-        </mc:AlternateContent>
-        <mc:AlternateContent xmlns:mc="http://schemas.openxmlformats.org/markup-compatibility/2006" xmlns:a14="http://schemas.microsoft.com/office/drawing/2010/main">
-          <mc:Choice Requires="a14">
-            <p:sp>
-              <p:nvSpPr>
-                <p:cNvPr id="8" name="Rectangle 7">
-                  <a:extLst>
-                    <a:ext uri="{FF2B5EF4-FFF2-40B4-BE49-F238E27FC236}">
-                      <a16:creationId xmlns:a16="http://schemas.microsoft.com/office/drawing/2014/main" id="{54122DD5-ADB3-407E-9859-C7FEC6568CBC}"/>
-                    </a:ext>
-                  </a:extLst>
-                </p:cNvPr>
-                <p:cNvSpPr/>
-                <p:nvPr/>
-              </p:nvSpPr>
-              <p:spPr>
-                <a:xfrm>
-                  <a:off x="5464628" y="1480457"/>
-                  <a:ext cx="1262743" cy="4206240"/>
-                </a:xfrm>
-                <a:prstGeom prst="rect">
-                  <a:avLst/>
-                </a:prstGeom>
-                <a:noFill/>
-                <a:ln w="38100">
-                  <a:solidFill>
-                    <a:schemeClr val="tx1"/>
-                  </a:solidFill>
-                </a:ln>
-              </p:spPr>
-              <p:style>
-                <a:lnRef idx="2">
-                  <a:schemeClr val="accent1">
-                    <a:shade val="15000"/>
-                  </a:schemeClr>
-                </a:lnRef>
-                <a:fillRef idx="1">
-                  <a:schemeClr val="accent1"/>
-                </a:fillRef>
-                <a:effectRef idx="0">
-                  <a:schemeClr val="accent1"/>
-                </a:effectRef>
-                <a:fontRef idx="minor">
-                  <a:schemeClr val="lt1"/>
-                </a:fontRef>
-              </p:style>
-              <p:txBody>
-                <a:bodyPr rtlCol="0" anchor="ctr"/>
-                <a:lstStyle/>
-                <a:p>
-                  <a:pPr algn="ctr"/>
-                  <a14:m>
-                    <m:oMathPara xmlns:m="http://schemas.openxmlformats.org/officeDocument/2006/math">
-                      <m:oMathParaPr>
-                        <m:jc m:val="centerGroup"/>
-                      </m:oMathParaPr>
-                      <m:oMath xmlns:m="http://schemas.openxmlformats.org/officeDocument/2006/math">
-                        <m:sSub>
-                          <m:sSubPr>
-                            <m:ctrlPr>
-                              <a:rPr lang="en-US" sz="3600" i="1" smtClean="0">
-                                <a:solidFill>
-                                  <a:schemeClr val="tx1"/>
-                                </a:solidFill>
-                                <a:latin typeface="Cambria Math" panose="02040503050406030204" pitchFamily="18" charset="0"/>
-                              </a:rPr>
-                            </m:ctrlPr>
-                          </m:sSubPr>
-                          <m:e>
-                            <m:r>
-                              <a:rPr lang="en-IN" sz="3600" b="0" i="1" smtClean="0">
-                                <a:solidFill>
-                                  <a:schemeClr val="tx1"/>
-                                </a:solidFill>
-                                <a:latin typeface="Cambria Math" panose="02040503050406030204" pitchFamily="18" charset="0"/>
-                              </a:rPr>
-                              <m:t>𝑈</m:t>
-                            </m:r>
-                          </m:e>
-                          <m:sub>
-                            <m:r>
-                              <a:rPr lang="en-IN" sz="3600" b="0" i="1" smtClean="0">
-                                <a:solidFill>
-                                  <a:schemeClr val="tx1"/>
-                                </a:solidFill>
-                                <a:latin typeface="Cambria Math" panose="02040503050406030204" pitchFamily="18" charset="0"/>
-                              </a:rPr>
-                              <m:t>𝐶𝑅</m:t>
-                            </m:r>
-                          </m:sub>
-                        </m:sSub>
-                      </m:oMath>
-                    </m:oMathPara>
-                  </a14:m>
-                  <a:endParaRPr lang="en-US" sz="3600" dirty="0">
-                    <a:solidFill>
-                      <a:schemeClr val="tx1"/>
-                    </a:solidFill>
-                  </a:endParaRPr>
-                </a:p>
-              </p:txBody>
-            </p:sp>
-          </mc:Choice>
-          <mc:Fallback xmlns="">
-            <p:sp>
-              <p:nvSpPr>
-                <p:cNvPr id="8" name="Rectangle 7">
-                  <a:extLst>
-                    <a:ext uri="{FF2B5EF4-FFF2-40B4-BE49-F238E27FC236}">
-                      <a16:creationId xmlns:a16="http://schemas.microsoft.com/office/drawing/2014/main" id="{54122DD5-ADB3-407E-9859-C7FEC6568CBC}"/>
-                    </a:ext>
-                  </a:extLst>
-                </p:cNvPr>
-                <p:cNvSpPr>
-                  <a:spLocks noRot="1" noChangeAspect="1" noMove="1" noResize="1" noEditPoints="1" noAdjustHandles="1" noChangeArrowheads="1" noChangeShapeType="1" noTextEdit="1"/>
-                </p:cNvSpPr>
-                <p:nvPr/>
-              </p:nvSpPr>
-              <p:spPr>
-                <a:xfrm>
-                  <a:off x="5464628" y="1480457"/>
-                  <a:ext cx="1262743" cy="4206240"/>
-                </a:xfrm>
-                <a:prstGeom prst="rect">
-                  <a:avLst/>
-                </a:prstGeom>
-                <a:blipFill>
-                  <a:blip r:embed="rId4"/>
-                  <a:stretch>
-                    <a:fillRect/>
-                  </a:stretch>
-                </a:blipFill>
-                <a:ln w="38100">
-                  <a:solidFill>
-                    <a:schemeClr val="tx1"/>
-                  </a:solidFill>
-                </a:ln>
               </p:spPr>
               <p:txBody>
                 <a:bodyPr/>
@@ -5293,10 +6578,10 @@
         </mc:AlternateContent>
         <p:cxnSp>
           <p:nvCxnSpPr>
-            <p:cNvPr id="10" name="Straight Connector 9">
+            <p:cNvPr id="3" name="Straight Connector 2">
               <a:extLst>
                 <a:ext uri="{FF2B5EF4-FFF2-40B4-BE49-F238E27FC236}">
-                  <a16:creationId xmlns:a16="http://schemas.microsoft.com/office/drawing/2014/main" id="{32E6CE9C-1253-6F14-A0AE-FB7CAB0A1259}"/>
+                  <a16:creationId xmlns:a16="http://schemas.microsoft.com/office/drawing/2014/main" id="{106304A0-58BC-457F-DAF1-5603C669F30B}"/>
                 </a:ext>
               </a:extLst>
             </p:cNvPr>
@@ -5305,7 +6590,7 @@
           </p:nvCxnSpPr>
           <p:spPr>
             <a:xfrm>
-              <a:off x="1532707" y="5158086"/>
+              <a:off x="1532706" y="4318663"/>
               <a:ext cx="844731" cy="0"/>
             </a:xfrm>
             <a:prstGeom prst="line">
@@ -5334,51 +6619,10 @@
         </p:cxnSp>
         <p:cxnSp>
           <p:nvCxnSpPr>
-            <p:cNvPr id="11" name="Straight Connector 10">
+            <p:cNvPr id="4" name="Straight Connector 3">
               <a:extLst>
                 <a:ext uri="{FF2B5EF4-FFF2-40B4-BE49-F238E27FC236}">
-                  <a16:creationId xmlns:a16="http://schemas.microsoft.com/office/drawing/2014/main" id="{4D296D0E-652D-E7A3-FFD1-77B25AA5B5E9}"/>
-                </a:ext>
-              </a:extLst>
-            </p:cNvPr>
-            <p:cNvCxnSpPr/>
-            <p:nvPr/>
-          </p:nvCxnSpPr>
-          <p:spPr>
-            <a:xfrm>
-              <a:off x="1532708" y="3570514"/>
-              <a:ext cx="844731" cy="0"/>
-            </a:xfrm>
-            <a:prstGeom prst="line">
-              <a:avLst/>
-            </a:prstGeom>
-            <a:ln w="38100">
-              <a:solidFill>
-                <a:schemeClr val="tx1"/>
-              </a:solidFill>
-            </a:ln>
-          </p:spPr>
-          <p:style>
-            <a:lnRef idx="1">
-              <a:schemeClr val="accent1"/>
-            </a:lnRef>
-            <a:fillRef idx="0">
-              <a:schemeClr val="accent1"/>
-            </a:fillRef>
-            <a:effectRef idx="0">
-              <a:schemeClr val="accent1"/>
-            </a:effectRef>
-            <a:fontRef idx="minor">
-              <a:schemeClr val="tx1"/>
-            </a:fontRef>
-          </p:style>
-        </p:cxnSp>
-        <p:cxnSp>
-          <p:nvCxnSpPr>
-            <p:cNvPr id="12" name="Straight Connector 11">
-              <a:extLst>
-                <a:ext uri="{FF2B5EF4-FFF2-40B4-BE49-F238E27FC236}">
-                  <a16:creationId xmlns:a16="http://schemas.microsoft.com/office/drawing/2014/main" id="{06051491-6007-FB19-43EB-50BEADD6FC04}"/>
+                  <a16:creationId xmlns:a16="http://schemas.microsoft.com/office/drawing/2014/main" id="{94520E4E-F551-5CDC-7C4E-BA53F4B6FFF5}"/>
                 </a:ext>
               </a:extLst>
             </p:cNvPr>
@@ -5389,7 +6633,7 @@
           </p:nvCxnSpPr>
           <p:spPr>
             <a:xfrm>
-              <a:off x="4389120" y="5162440"/>
+              <a:off x="4389120" y="4318663"/>
               <a:ext cx="1075508" cy="0"/>
             </a:xfrm>
             <a:prstGeom prst="line">
@@ -5418,10 +6662,10 @@
         </p:cxnSp>
         <p:cxnSp>
           <p:nvCxnSpPr>
-            <p:cNvPr id="14" name="Straight Connector 13">
+            <p:cNvPr id="9" name="Straight Connector 8">
               <a:extLst>
                 <a:ext uri="{FF2B5EF4-FFF2-40B4-BE49-F238E27FC236}">
-                  <a16:creationId xmlns:a16="http://schemas.microsoft.com/office/drawing/2014/main" id="{1929DF25-6985-E0F6-8E1C-83F5A4752D13}"/>
+                  <a16:creationId xmlns:a16="http://schemas.microsoft.com/office/drawing/2014/main" id="{F80C716D-4309-B5CE-408D-1E7E9B35F3FD}"/>
                 </a:ext>
               </a:extLst>
             </p:cNvPr>
@@ -5432,7 +6676,7 @@
           </p:nvCxnSpPr>
           <p:spPr>
             <a:xfrm>
-              <a:off x="4389120" y="3531325"/>
+              <a:off x="6727371" y="4300272"/>
               <a:ext cx="1075508" cy="0"/>
             </a:xfrm>
             <a:prstGeom prst="line">
@@ -5461,96 +6705,10 @@
         </p:cxnSp>
         <p:cxnSp>
           <p:nvCxnSpPr>
-            <p:cNvPr id="15" name="Straight Connector 14">
+            <p:cNvPr id="13" name="Straight Connector 12">
               <a:extLst>
                 <a:ext uri="{FF2B5EF4-FFF2-40B4-BE49-F238E27FC236}">
-                  <a16:creationId xmlns:a16="http://schemas.microsoft.com/office/drawing/2014/main" id="{E96AE932-E20F-57B7-C8E7-4930D0CF3F43}"/>
-                </a:ext>
-              </a:extLst>
-            </p:cNvPr>
-            <p:cNvCxnSpPr>
-              <a:cxnSpLocks/>
-            </p:cNvCxnSpPr>
-            <p:nvPr/>
-          </p:nvCxnSpPr>
-          <p:spPr>
-            <a:xfrm>
-              <a:off x="6727371" y="5136315"/>
-              <a:ext cx="1075508" cy="0"/>
-            </a:xfrm>
-            <a:prstGeom prst="line">
-              <a:avLst/>
-            </a:prstGeom>
-            <a:ln w="38100">
-              <a:solidFill>
-                <a:schemeClr val="tx1"/>
-              </a:solidFill>
-            </a:ln>
-          </p:spPr>
-          <p:style>
-            <a:lnRef idx="1">
-              <a:schemeClr val="accent1"/>
-            </a:lnRef>
-            <a:fillRef idx="0">
-              <a:schemeClr val="accent1"/>
-            </a:fillRef>
-            <a:effectRef idx="0">
-              <a:schemeClr val="accent1"/>
-            </a:effectRef>
-            <a:fontRef idx="minor">
-              <a:schemeClr val="tx1"/>
-            </a:fontRef>
-          </p:style>
-        </p:cxnSp>
-        <p:cxnSp>
-          <p:nvCxnSpPr>
-            <p:cNvPr id="16" name="Straight Connector 15">
-              <a:extLst>
-                <a:ext uri="{FF2B5EF4-FFF2-40B4-BE49-F238E27FC236}">
-                  <a16:creationId xmlns:a16="http://schemas.microsoft.com/office/drawing/2014/main" id="{554619E8-A663-CCF6-D5C7-668AD5251C1C}"/>
-                </a:ext>
-              </a:extLst>
-            </p:cNvPr>
-            <p:cNvCxnSpPr>
-              <a:cxnSpLocks/>
-            </p:cNvCxnSpPr>
-            <p:nvPr/>
-          </p:nvCxnSpPr>
-          <p:spPr>
-            <a:xfrm>
-              <a:off x="6727371" y="3531325"/>
-              <a:ext cx="1075508" cy="0"/>
-            </a:xfrm>
-            <a:prstGeom prst="line">
-              <a:avLst/>
-            </a:prstGeom>
-            <a:ln w="38100">
-              <a:solidFill>
-                <a:schemeClr val="tx1"/>
-              </a:solidFill>
-            </a:ln>
-          </p:spPr>
-          <p:style>
-            <a:lnRef idx="1">
-              <a:schemeClr val="accent1"/>
-            </a:lnRef>
-            <a:fillRef idx="0">
-              <a:schemeClr val="accent1"/>
-            </a:fillRef>
-            <a:effectRef idx="0">
-              <a:schemeClr val="accent1"/>
-            </a:effectRef>
-            <a:fontRef idx="minor">
-              <a:schemeClr val="tx1"/>
-            </a:fontRef>
-          </p:style>
-        </p:cxnSp>
-        <p:cxnSp>
-          <p:nvCxnSpPr>
-            <p:cNvPr id="17" name="Straight Connector 16">
-              <a:extLst>
-                <a:ext uri="{FF2B5EF4-FFF2-40B4-BE49-F238E27FC236}">
-                  <a16:creationId xmlns:a16="http://schemas.microsoft.com/office/drawing/2014/main" id="{588D17A3-9B00-AF60-1217-CA17CE05CBBB}"/>
+                  <a16:creationId xmlns:a16="http://schemas.microsoft.com/office/drawing/2014/main" id="{4CC479E4-7641-DDEC-D4D0-18A60814A621}"/>
                 </a:ext>
               </a:extLst>
             </p:cNvPr>
@@ -5559,7 +6717,7 @@
           </p:nvCxnSpPr>
           <p:spPr>
             <a:xfrm>
-              <a:off x="9814560" y="3433354"/>
+              <a:off x="9804823" y="4300272"/>
               <a:ext cx="844731" cy="0"/>
             </a:xfrm>
             <a:prstGeom prst="line">
@@ -5586,137 +6744,14 @@
             </a:fontRef>
           </p:style>
         </p:cxnSp>
-        <p:cxnSp>
-          <p:nvCxnSpPr>
-            <p:cNvPr id="18" name="Straight Connector 17">
-              <a:extLst>
-                <a:ext uri="{FF2B5EF4-FFF2-40B4-BE49-F238E27FC236}">
-                  <a16:creationId xmlns:a16="http://schemas.microsoft.com/office/drawing/2014/main" id="{C69B2398-60C1-EE2D-8C06-2FB04168BCFA}"/>
-                </a:ext>
-              </a:extLst>
-            </p:cNvPr>
-            <p:cNvCxnSpPr/>
-            <p:nvPr/>
-          </p:nvCxnSpPr>
-          <p:spPr>
-            <a:xfrm>
-              <a:off x="9814559" y="5158086"/>
-              <a:ext cx="844731" cy="0"/>
-            </a:xfrm>
-            <a:prstGeom prst="line">
-              <a:avLst/>
-            </a:prstGeom>
-            <a:ln w="38100">
-              <a:solidFill>
-                <a:schemeClr val="tx1"/>
-              </a:solidFill>
-            </a:ln>
-          </p:spPr>
-          <p:style>
-            <a:lnRef idx="1">
-              <a:schemeClr val="accent1"/>
-            </a:lnRef>
-            <a:fillRef idx="0">
-              <a:schemeClr val="accent1"/>
-            </a:fillRef>
-            <a:effectRef idx="0">
-              <a:schemeClr val="accent1"/>
-            </a:effectRef>
-            <a:fontRef idx="minor">
-              <a:schemeClr val="tx1"/>
-            </a:fontRef>
-          </p:style>
-        </p:cxnSp>
-        <p:cxnSp>
-          <p:nvCxnSpPr>
-            <p:cNvPr id="20" name="Straight Connector 19">
-              <a:extLst>
-                <a:ext uri="{FF2B5EF4-FFF2-40B4-BE49-F238E27FC236}">
-                  <a16:creationId xmlns:a16="http://schemas.microsoft.com/office/drawing/2014/main" id="{8DB547B3-3921-AB3B-454F-122D60B7549C}"/>
-                </a:ext>
-              </a:extLst>
-            </p:cNvPr>
-            <p:cNvCxnSpPr/>
-            <p:nvPr/>
-          </p:nvCxnSpPr>
-          <p:spPr>
-            <a:xfrm>
-              <a:off x="1532709" y="1950720"/>
-              <a:ext cx="3931919" cy="0"/>
-            </a:xfrm>
-            <a:prstGeom prst="line">
-              <a:avLst/>
-            </a:prstGeom>
-            <a:ln w="38100">
-              <a:solidFill>
-                <a:schemeClr val="tx1"/>
-              </a:solidFill>
-            </a:ln>
-          </p:spPr>
-          <p:style>
-            <a:lnRef idx="1">
-              <a:schemeClr val="accent1"/>
-            </a:lnRef>
-            <a:fillRef idx="0">
-              <a:schemeClr val="accent1"/>
-            </a:fillRef>
-            <a:effectRef idx="0">
-              <a:schemeClr val="accent1"/>
-            </a:effectRef>
-            <a:fontRef idx="minor">
-              <a:schemeClr val="tx1"/>
-            </a:fontRef>
-          </p:style>
-        </p:cxnSp>
-        <p:cxnSp>
-          <p:nvCxnSpPr>
-            <p:cNvPr id="22" name="Straight Connector 21">
-              <a:extLst>
-                <a:ext uri="{FF2B5EF4-FFF2-40B4-BE49-F238E27FC236}">
-                  <a16:creationId xmlns:a16="http://schemas.microsoft.com/office/drawing/2014/main" id="{B6AD3EB2-B718-C562-6F58-64F56EE78305}"/>
-                </a:ext>
-              </a:extLst>
-            </p:cNvPr>
-            <p:cNvCxnSpPr/>
-            <p:nvPr/>
-          </p:nvCxnSpPr>
-          <p:spPr>
-            <a:xfrm>
-              <a:off x="6731726" y="1950720"/>
-              <a:ext cx="3931919" cy="0"/>
-            </a:xfrm>
-            <a:prstGeom prst="line">
-              <a:avLst/>
-            </a:prstGeom>
-            <a:ln w="38100">
-              <a:solidFill>
-                <a:schemeClr val="tx1"/>
-              </a:solidFill>
-            </a:ln>
-          </p:spPr>
-          <p:style>
-            <a:lnRef idx="1">
-              <a:schemeClr val="accent1"/>
-            </a:lnRef>
-            <a:fillRef idx="0">
-              <a:schemeClr val="accent1"/>
-            </a:fillRef>
-            <a:effectRef idx="0">
-              <a:schemeClr val="accent1"/>
-            </a:effectRef>
-            <a:fontRef idx="minor">
-              <a:schemeClr val="tx1"/>
-            </a:fontRef>
-          </p:style>
-        </p:cxnSp>
-        <mc:AlternateContent xmlns:mc="http://schemas.openxmlformats.org/markup-compatibility/2006" xmlns:a14="http://schemas.microsoft.com/office/drawing/2010/main">
-          <mc:Choice Requires="a14">
+        <mc:AlternateContent xmlns:mc="http://schemas.openxmlformats.org/markup-compatibility/2006">
+          <mc:Choice xmlns:a14="http://schemas.microsoft.com/office/drawing/2010/main" Requires="a14">
             <p:sp>
               <p:nvSpPr>
-                <p:cNvPr id="23" name="TextBox 22">
+                <p:cNvPr id="19" name="TextBox 18">
                   <a:extLst>
                     <a:ext uri="{FF2B5EF4-FFF2-40B4-BE49-F238E27FC236}">
-                      <a16:creationId xmlns:a16="http://schemas.microsoft.com/office/drawing/2014/main" id="{E77345BF-B52B-34A6-1BAE-DC6BA9CEF56F}"/>
+                      <a16:creationId xmlns:a16="http://schemas.microsoft.com/office/drawing/2014/main" id="{3E344F2E-ADE4-6D2C-3B89-56926E698DD5}"/>
                     </a:ext>
                   </a:extLst>
                 </p:cNvPr>
@@ -5725,8 +6760,8 @@
               </p:nvSpPr>
               <p:spPr>
                 <a:xfrm>
-                  <a:off x="432657" y="3287486"/>
-                  <a:ext cx="804066" cy="468205"/>
+                  <a:off x="10772558" y="4032281"/>
+                  <a:ext cx="577530" cy="461665"/>
                 </a:xfrm>
                 <a:prstGeom prst="rect">
                   <a:avLst/>
@@ -5752,31 +6787,12 @@
                           </a:rPr>
                           <m:t>|</m:t>
                         </m:r>
-                        <m:sSup>
-                          <m:sSupPr>
-                            <m:ctrlPr>
-                              <a:rPr lang="en-IN" sz="2400" b="0" i="1" smtClean="0">
-                                <a:latin typeface="Cambria Math" panose="02040503050406030204" pitchFamily="18" charset="0"/>
-                              </a:rPr>
-                            </m:ctrlPr>
-                          </m:sSupPr>
-                          <m:e>
-                            <m:r>
-                              <a:rPr lang="en-IN" sz="2400" b="0" i="1" smtClean="0">
-                                <a:latin typeface="Cambria Math" panose="02040503050406030204" pitchFamily="18" charset="0"/>
-                              </a:rPr>
-                              <m:t>0</m:t>
-                            </m:r>
-                          </m:e>
-                          <m:sup>
-                            <m:r>
-                              <a:rPr lang="en-IN" sz="2400" b="0" i="1" smtClean="0">
-                                <a:latin typeface="Cambria Math" panose="02040503050406030204" pitchFamily="18" charset="0"/>
-                              </a:rPr>
-                              <m:t>𝑑</m:t>
-                            </m:r>
-                          </m:sup>
-                        </m:sSup>
+                        <m:r>
+                          <a:rPr lang="en-IN" sz="2400" b="0" i="1" smtClean="0">
+                            <a:latin typeface="Cambria Math" panose="02040503050406030204" pitchFamily="18" charset="0"/>
+                          </a:rPr>
+                          <m:t>𝑖</m:t>
+                        </m:r>
                         <m:r>
                           <a:rPr lang="en-IN" sz="2400" b="0" i="1" smtClean="0">
                             <a:latin typeface="Cambria Math" panose="02040503050406030204" pitchFamily="18" charset="0"/>
@@ -5791,13 +6807,13 @@
               </p:txBody>
             </p:sp>
           </mc:Choice>
-          <mc:Fallback xmlns="">
+          <mc:Fallback>
             <p:sp>
               <p:nvSpPr>
-                <p:cNvPr id="23" name="TextBox 22">
+                <p:cNvPr id="19" name="TextBox 18">
                   <a:extLst>
                     <a:ext uri="{FF2B5EF4-FFF2-40B4-BE49-F238E27FC236}">
-                      <a16:creationId xmlns:a16="http://schemas.microsoft.com/office/drawing/2014/main" id="{E77345BF-B52B-34A6-1BAE-DC6BA9CEF56F}"/>
+                      <a16:creationId xmlns:a16="http://schemas.microsoft.com/office/drawing/2014/main" id="{3E344F2E-ADE4-6D2C-3B89-56926E698DD5}"/>
                     </a:ext>
                   </a:extLst>
                 </p:cNvPr>
@@ -5808,16 +6824,16 @@
               </p:nvSpPr>
               <p:spPr>
                 <a:xfrm>
-                  <a:off x="432657" y="3287486"/>
-                  <a:ext cx="804066" cy="468205"/>
+                  <a:off x="10772558" y="4032281"/>
+                  <a:ext cx="577530" cy="461665"/>
                 </a:xfrm>
                 <a:prstGeom prst="rect">
                   <a:avLst/>
                 </a:prstGeom>
                 <a:blipFill>
-                  <a:blip r:embed="rId5"/>
+                  <a:blip r:embed="rId12"/>
                   <a:stretch>
-                    <a:fillRect l="-1515" r="-1515" b="-18182"/>
+                    <a:fillRect l="-1053" r="-2105" b="-18421"/>
                   </a:stretch>
                 </a:blipFill>
               </p:spPr>
@@ -5836,14 +6852,14 @@
             </p:sp>
           </mc:Fallback>
         </mc:AlternateContent>
-        <mc:AlternateContent xmlns:mc="http://schemas.openxmlformats.org/markup-compatibility/2006" xmlns:a14="http://schemas.microsoft.com/office/drawing/2010/main">
-          <mc:Choice Requires="a14">
+        <mc:AlternateContent xmlns:mc="http://schemas.openxmlformats.org/markup-compatibility/2006">
+          <mc:Choice xmlns:a14="http://schemas.microsoft.com/office/drawing/2010/main" Requires="a14">
             <p:sp>
               <p:nvSpPr>
-                <p:cNvPr id="26" name="TextBox 25">
+                <p:cNvPr id="21" name="TextBox 20">
                   <a:extLst>
                     <a:ext uri="{FF2B5EF4-FFF2-40B4-BE49-F238E27FC236}">
-                      <a16:creationId xmlns:a16="http://schemas.microsoft.com/office/drawing/2014/main" id="{F61C498D-E088-028D-5858-FB4A9B1AF34E}"/>
+                      <a16:creationId xmlns:a16="http://schemas.microsoft.com/office/drawing/2014/main" id="{9325930D-6995-7170-FBA4-42FC24752FDD}"/>
                     </a:ext>
                   </a:extLst>
                 </p:cNvPr>
@@ -5852,104 +6868,8 @@
               </p:nvSpPr>
               <p:spPr>
                 <a:xfrm>
-                  <a:off x="716099" y="1719887"/>
-                  <a:ext cx="639919" cy="461665"/>
-                </a:xfrm>
-                <a:prstGeom prst="rect">
-                  <a:avLst/>
-                </a:prstGeom>
-                <a:noFill/>
-              </p:spPr>
-              <p:txBody>
-                <a:bodyPr wrap="none" rtlCol="0">
-                  <a:spAutoFit/>
-                </a:bodyPr>
-                <a:lstStyle/>
-                <a:p>
-                  <a:pPr/>
-                  <a14:m>
-                    <m:oMathPara xmlns:m="http://schemas.openxmlformats.org/officeDocument/2006/math">
-                      <m:oMathParaPr>
-                        <m:jc m:val="centerGroup"/>
-                      </m:oMathParaPr>
-                      <m:oMath xmlns:m="http://schemas.openxmlformats.org/officeDocument/2006/math">
-                        <m:r>
-                          <a:rPr lang="en-IN" sz="2400" b="0" i="1" smtClean="0">
-                            <a:latin typeface="Cambria Math" panose="02040503050406030204" pitchFamily="18" charset="0"/>
-                          </a:rPr>
-                          <m:t>|0⟩</m:t>
-                        </m:r>
-                      </m:oMath>
-                    </m:oMathPara>
-                  </a14:m>
-                  <a:endParaRPr lang="en-US" sz="2400" dirty="0"/>
-                </a:p>
-              </p:txBody>
-            </p:sp>
-          </mc:Choice>
-          <mc:Fallback xmlns="">
-            <p:sp>
-              <p:nvSpPr>
-                <p:cNvPr id="26" name="TextBox 25">
-                  <a:extLst>
-                    <a:ext uri="{FF2B5EF4-FFF2-40B4-BE49-F238E27FC236}">
-                      <a16:creationId xmlns:a16="http://schemas.microsoft.com/office/drawing/2014/main" id="{F61C498D-E088-028D-5858-FB4A9B1AF34E}"/>
-                    </a:ext>
-                  </a:extLst>
-                </p:cNvPr>
-                <p:cNvSpPr txBox="1">
-                  <a:spLocks noRot="1" noChangeAspect="1" noMove="1" noResize="1" noEditPoints="1" noAdjustHandles="1" noChangeArrowheads="1" noChangeShapeType="1" noTextEdit="1"/>
-                </p:cNvSpPr>
-                <p:nvPr/>
-              </p:nvSpPr>
-              <p:spPr>
-                <a:xfrm>
-                  <a:off x="716099" y="1719887"/>
-                  <a:ext cx="639919" cy="461665"/>
-                </a:xfrm>
-                <a:prstGeom prst="rect">
-                  <a:avLst/>
-                </a:prstGeom>
-                <a:blipFill>
-                  <a:blip r:embed="rId6"/>
-                  <a:stretch>
-                    <a:fillRect l="-952" r="-2857" b="-18421"/>
-                  </a:stretch>
-                </a:blipFill>
-              </p:spPr>
-              <p:txBody>
-                <a:bodyPr/>
-                <a:lstStyle/>
-                <a:p>
-                  <a:r>
-                    <a:rPr lang="en-US">
-                      <a:noFill/>
-                    </a:rPr>
-                    <a:t> </a:t>
-                  </a:r>
-                </a:p>
-              </p:txBody>
-            </p:sp>
-          </mc:Fallback>
-        </mc:AlternateContent>
-        <mc:AlternateContent xmlns:mc="http://schemas.openxmlformats.org/markup-compatibility/2006" xmlns:a14="http://schemas.microsoft.com/office/drawing/2010/main">
-          <mc:Choice Requires="a14">
-            <p:sp>
-              <p:nvSpPr>
-                <p:cNvPr id="27" name="TextBox 26">
-                  <a:extLst>
-                    <a:ext uri="{FF2B5EF4-FFF2-40B4-BE49-F238E27FC236}">
-                      <a16:creationId xmlns:a16="http://schemas.microsoft.com/office/drawing/2014/main" id="{4708E443-5993-0ED1-D70F-BACCB7D1859F}"/>
-                    </a:ext>
-                  </a:extLst>
-                </p:cNvPr>
-                <p:cNvSpPr txBox="1"/>
-                <p:nvPr/>
-              </p:nvSpPr>
-              <p:spPr>
-                <a:xfrm>
-                  <a:off x="716099" y="4905483"/>
-                  <a:ext cx="731162" cy="514693"/>
+                  <a:off x="10772558" y="5021797"/>
+                  <a:ext cx="585866" cy="461665"/>
                 </a:xfrm>
                 <a:prstGeom prst="rect">
                   <a:avLst/>
@@ -5975,43 +6895,12 @@
                           </a:rPr>
                           <m:t>|</m:t>
                         </m:r>
-                        <m:acc>
-                          <m:accPr>
-                            <m:chr m:val="̃"/>
-                            <m:ctrlPr>
-                              <a:rPr lang="en-IN" sz="2400" b="0" i="1" smtClean="0">
-                                <a:latin typeface="Cambria Math" panose="02040503050406030204" pitchFamily="18" charset="0"/>
-                              </a:rPr>
-                            </m:ctrlPr>
-                          </m:accPr>
-                          <m:e>
-                            <m:sSub>
-                              <m:sSubPr>
-                                <m:ctrlPr>
-                                  <a:rPr lang="en-IN" sz="2400" b="0" i="1" smtClean="0">
-                                    <a:latin typeface="Cambria Math" panose="02040503050406030204" pitchFamily="18" charset="0"/>
-                                  </a:rPr>
-                                </m:ctrlPr>
-                              </m:sSubPr>
-                              <m:e>
-                                <m:r>
-                                  <a:rPr lang="en-IN" sz="2400" b="0" i="1" smtClean="0">
-                                    <a:latin typeface="Cambria Math" panose="02040503050406030204" pitchFamily="18" charset="0"/>
-                                  </a:rPr>
-                                  <m:t>𝜃</m:t>
-                                </m:r>
-                              </m:e>
-                              <m:sub>
-                                <m:r>
-                                  <a:rPr lang="en-IN" sz="2400" b="0" i="1" smtClean="0">
-                                    <a:latin typeface="Cambria Math" panose="02040503050406030204" pitchFamily="18" charset="0"/>
-                                  </a:rPr>
-                                  <m:t>𝑗</m:t>
-                                </m:r>
-                              </m:sub>
-                            </m:sSub>
-                          </m:e>
-                        </m:acc>
+                        <m:r>
+                          <a:rPr lang="en-IN" sz="2400" b="0" i="1" smtClean="0">
+                            <a:latin typeface="Cambria Math" panose="02040503050406030204" pitchFamily="18" charset="0"/>
+                          </a:rPr>
+                          <m:t>𝑗</m:t>
+                        </m:r>
                         <m:r>
                           <a:rPr lang="en-IN" sz="2400" b="0" i="1" smtClean="0">
                             <a:latin typeface="Cambria Math" panose="02040503050406030204" pitchFamily="18" charset="0"/>
@@ -6026,13 +6915,13 @@
               </p:txBody>
             </p:sp>
           </mc:Choice>
-          <mc:Fallback xmlns="">
+          <mc:Fallback>
             <p:sp>
               <p:nvSpPr>
-                <p:cNvPr id="27" name="TextBox 26">
+                <p:cNvPr id="21" name="TextBox 20">
                   <a:extLst>
                     <a:ext uri="{FF2B5EF4-FFF2-40B4-BE49-F238E27FC236}">
-                      <a16:creationId xmlns:a16="http://schemas.microsoft.com/office/drawing/2014/main" id="{4708E443-5993-0ED1-D70F-BACCB7D1859F}"/>
+                      <a16:creationId xmlns:a16="http://schemas.microsoft.com/office/drawing/2014/main" id="{9325930D-6995-7170-FBA4-42FC24752FDD}"/>
                     </a:ext>
                   </a:extLst>
                 </p:cNvPr>
@@ -6043,588 +6932,16 @@
               </p:nvSpPr>
               <p:spPr>
                 <a:xfrm>
-                  <a:off x="716099" y="4905483"/>
-                  <a:ext cx="731162" cy="514693"/>
+                  <a:off x="10772558" y="5021797"/>
+                  <a:ext cx="585866" cy="461665"/>
                 </a:xfrm>
                 <a:prstGeom prst="rect">
                   <a:avLst/>
                 </a:prstGeom>
                 <a:blipFill>
-                  <a:blip r:embed="rId7"/>
+                  <a:blip r:embed="rId13"/>
                   <a:stretch>
-                    <a:fillRect/>
-                  </a:stretch>
-                </a:blipFill>
-              </p:spPr>
-              <p:txBody>
-                <a:bodyPr/>
-                <a:lstStyle/>
-                <a:p>
-                  <a:r>
-                    <a:rPr lang="en-US">
-                      <a:noFill/>
-                    </a:rPr>
-                    <a:t> </a:t>
-                  </a:r>
-                </a:p>
-              </p:txBody>
-            </p:sp>
-          </mc:Fallback>
-        </mc:AlternateContent>
-        <mc:AlternateContent xmlns:mc="http://schemas.openxmlformats.org/markup-compatibility/2006" xmlns:a14="http://schemas.microsoft.com/office/drawing/2010/main">
-          <mc:Choice Requires="a14">
-            <p:sp>
-              <p:nvSpPr>
-                <p:cNvPr id="28" name="TextBox 27">
-                  <a:extLst>
-                    <a:ext uri="{FF2B5EF4-FFF2-40B4-BE49-F238E27FC236}">
-                      <a16:creationId xmlns:a16="http://schemas.microsoft.com/office/drawing/2014/main" id="{FE5A03AF-AAB3-388E-53F0-D67E01CE4D67}"/>
-                    </a:ext>
-                  </a:extLst>
-                </p:cNvPr>
-                <p:cNvSpPr txBox="1"/>
-                <p:nvPr/>
-              </p:nvSpPr>
-              <p:spPr>
-                <a:xfrm>
-                  <a:off x="10744739" y="4878968"/>
-                  <a:ext cx="731162" cy="514693"/>
-                </a:xfrm>
-                <a:prstGeom prst="rect">
-                  <a:avLst/>
-                </a:prstGeom>
-                <a:noFill/>
-              </p:spPr>
-              <p:txBody>
-                <a:bodyPr wrap="none" rtlCol="0">
-                  <a:spAutoFit/>
-                </a:bodyPr>
-                <a:lstStyle/>
-                <a:p>
-                  <a:pPr/>
-                  <a14:m>
-                    <m:oMathPara xmlns:m="http://schemas.openxmlformats.org/officeDocument/2006/math">
-                      <m:oMathParaPr>
-                        <m:jc m:val="centerGroup"/>
-                      </m:oMathParaPr>
-                      <m:oMath xmlns:m="http://schemas.openxmlformats.org/officeDocument/2006/math">
-                        <m:r>
-                          <a:rPr lang="en-IN" sz="2400" b="0" i="1" smtClean="0">
-                            <a:latin typeface="Cambria Math" panose="02040503050406030204" pitchFamily="18" charset="0"/>
-                          </a:rPr>
-                          <m:t>|</m:t>
-                        </m:r>
-                        <m:acc>
-                          <m:accPr>
-                            <m:chr m:val="̃"/>
-                            <m:ctrlPr>
-                              <a:rPr lang="en-IN" sz="2400" b="0" i="1" smtClean="0">
-                                <a:latin typeface="Cambria Math" panose="02040503050406030204" pitchFamily="18" charset="0"/>
-                              </a:rPr>
-                            </m:ctrlPr>
-                          </m:accPr>
-                          <m:e>
-                            <m:sSub>
-                              <m:sSubPr>
-                                <m:ctrlPr>
-                                  <a:rPr lang="en-IN" sz="2400" b="0" i="1" smtClean="0">
-                                    <a:latin typeface="Cambria Math" panose="02040503050406030204" pitchFamily="18" charset="0"/>
-                                  </a:rPr>
-                                </m:ctrlPr>
-                              </m:sSubPr>
-                              <m:e>
-                                <m:r>
-                                  <a:rPr lang="en-IN" sz="2400" b="0" i="1" smtClean="0">
-                                    <a:latin typeface="Cambria Math" panose="02040503050406030204" pitchFamily="18" charset="0"/>
-                                  </a:rPr>
-                                  <m:t>𝜃</m:t>
-                                </m:r>
-                              </m:e>
-                              <m:sub>
-                                <m:r>
-                                  <a:rPr lang="en-IN" sz="2400" b="0" i="1" smtClean="0">
-                                    <a:latin typeface="Cambria Math" panose="02040503050406030204" pitchFamily="18" charset="0"/>
-                                  </a:rPr>
-                                  <m:t>𝑗</m:t>
-                                </m:r>
-                              </m:sub>
-                            </m:sSub>
-                          </m:e>
-                        </m:acc>
-                        <m:r>
-                          <a:rPr lang="en-IN" sz="2400" b="0" i="1" smtClean="0">
-                            <a:latin typeface="Cambria Math" panose="02040503050406030204" pitchFamily="18" charset="0"/>
-                          </a:rPr>
-                          <m:t>⟩</m:t>
-                        </m:r>
-                      </m:oMath>
-                    </m:oMathPara>
-                  </a14:m>
-                  <a:endParaRPr lang="en-US" sz="2400" dirty="0"/>
-                </a:p>
-              </p:txBody>
-            </p:sp>
-          </mc:Choice>
-          <mc:Fallback xmlns="">
-            <p:sp>
-              <p:nvSpPr>
-                <p:cNvPr id="28" name="TextBox 27">
-                  <a:extLst>
-                    <a:ext uri="{FF2B5EF4-FFF2-40B4-BE49-F238E27FC236}">
-                      <a16:creationId xmlns:a16="http://schemas.microsoft.com/office/drawing/2014/main" id="{FE5A03AF-AAB3-388E-53F0-D67E01CE4D67}"/>
-                    </a:ext>
-                  </a:extLst>
-                </p:cNvPr>
-                <p:cNvSpPr txBox="1">
-                  <a:spLocks noRot="1" noChangeAspect="1" noMove="1" noResize="1" noEditPoints="1" noAdjustHandles="1" noChangeArrowheads="1" noChangeShapeType="1" noTextEdit="1"/>
-                </p:cNvSpPr>
-                <p:nvPr/>
-              </p:nvSpPr>
-              <p:spPr>
-                <a:xfrm>
-                  <a:off x="10744739" y="4878968"/>
-                  <a:ext cx="731162" cy="514693"/>
-                </a:xfrm>
-                <a:prstGeom prst="rect">
-                  <a:avLst/>
-                </a:prstGeom>
-                <a:blipFill>
-                  <a:blip r:embed="rId8"/>
-                  <a:stretch>
-                    <a:fillRect/>
-                  </a:stretch>
-                </a:blipFill>
-              </p:spPr>
-              <p:txBody>
-                <a:bodyPr/>
-                <a:lstStyle/>
-                <a:p>
-                  <a:r>
-                    <a:rPr lang="en-US">
-                      <a:noFill/>
-                    </a:rPr>
-                    <a:t> </a:t>
-                  </a:r>
-                </a:p>
-              </p:txBody>
-            </p:sp>
-          </mc:Fallback>
-        </mc:AlternateContent>
-        <mc:AlternateContent xmlns:mc="http://schemas.openxmlformats.org/markup-compatibility/2006" xmlns:a14="http://schemas.microsoft.com/office/drawing/2010/main">
-          <mc:Choice Requires="a14">
-            <p:sp>
-              <p:nvSpPr>
-                <p:cNvPr id="29" name="TextBox 28">
-                  <a:extLst>
-                    <a:ext uri="{FF2B5EF4-FFF2-40B4-BE49-F238E27FC236}">
-                      <a16:creationId xmlns:a16="http://schemas.microsoft.com/office/drawing/2014/main" id="{61A5216B-82EB-90FF-2741-1357DABE4581}"/>
-                    </a:ext>
-                  </a:extLst>
-                </p:cNvPr>
-                <p:cNvSpPr txBox="1"/>
-                <p:nvPr/>
-              </p:nvSpPr>
-              <p:spPr>
-                <a:xfrm>
-                  <a:off x="10659290" y="3179055"/>
-                  <a:ext cx="804066" cy="468205"/>
-                </a:xfrm>
-                <a:prstGeom prst="rect">
-                  <a:avLst/>
-                </a:prstGeom>
-                <a:noFill/>
-              </p:spPr>
-              <p:txBody>
-                <a:bodyPr wrap="none" rtlCol="0">
-                  <a:spAutoFit/>
-                </a:bodyPr>
-                <a:lstStyle/>
-                <a:p>
-                  <a:pPr/>
-                  <a14:m>
-                    <m:oMathPara xmlns:m="http://schemas.openxmlformats.org/officeDocument/2006/math">
-                      <m:oMathParaPr>
-                        <m:jc m:val="centerGroup"/>
-                      </m:oMathParaPr>
-                      <m:oMath xmlns:m="http://schemas.openxmlformats.org/officeDocument/2006/math">
-                        <m:r>
-                          <a:rPr lang="en-IN" sz="2400" b="0" i="1" smtClean="0">
-                            <a:latin typeface="Cambria Math" panose="02040503050406030204" pitchFamily="18" charset="0"/>
-                          </a:rPr>
-                          <m:t>|</m:t>
-                        </m:r>
-                        <m:sSup>
-                          <m:sSupPr>
-                            <m:ctrlPr>
-                              <a:rPr lang="en-IN" sz="2400" b="0" i="1" smtClean="0">
-                                <a:latin typeface="Cambria Math" panose="02040503050406030204" pitchFamily="18" charset="0"/>
-                              </a:rPr>
-                            </m:ctrlPr>
-                          </m:sSupPr>
-                          <m:e>
-                            <m:r>
-                              <a:rPr lang="en-IN" sz="2400" b="0" i="1" smtClean="0">
-                                <a:latin typeface="Cambria Math" panose="02040503050406030204" pitchFamily="18" charset="0"/>
-                              </a:rPr>
-                              <m:t>0</m:t>
-                            </m:r>
-                          </m:e>
-                          <m:sup>
-                            <m:r>
-                              <a:rPr lang="en-IN" sz="2400" b="0" i="1" smtClean="0">
-                                <a:latin typeface="Cambria Math" panose="02040503050406030204" pitchFamily="18" charset="0"/>
-                              </a:rPr>
-                              <m:t>𝑑</m:t>
-                            </m:r>
-                          </m:sup>
-                        </m:sSup>
-                        <m:r>
-                          <a:rPr lang="en-IN" sz="2400" b="0" i="1" smtClean="0">
-                            <a:latin typeface="Cambria Math" panose="02040503050406030204" pitchFamily="18" charset="0"/>
-                          </a:rPr>
-                          <m:t>⟩</m:t>
-                        </m:r>
-                      </m:oMath>
-                    </m:oMathPara>
-                  </a14:m>
-                  <a:endParaRPr lang="en-US" sz="2400" dirty="0"/>
-                </a:p>
-              </p:txBody>
-            </p:sp>
-          </mc:Choice>
-          <mc:Fallback xmlns="">
-            <p:sp>
-              <p:nvSpPr>
-                <p:cNvPr id="29" name="TextBox 28">
-                  <a:extLst>
-                    <a:ext uri="{FF2B5EF4-FFF2-40B4-BE49-F238E27FC236}">
-                      <a16:creationId xmlns:a16="http://schemas.microsoft.com/office/drawing/2014/main" id="{61A5216B-82EB-90FF-2741-1357DABE4581}"/>
-                    </a:ext>
-                  </a:extLst>
-                </p:cNvPr>
-                <p:cNvSpPr txBox="1">
-                  <a:spLocks noRot="1" noChangeAspect="1" noMove="1" noResize="1" noEditPoints="1" noAdjustHandles="1" noChangeArrowheads="1" noChangeShapeType="1" noTextEdit="1"/>
-                </p:cNvSpPr>
-                <p:nvPr/>
-              </p:nvSpPr>
-              <p:spPr>
-                <a:xfrm>
-                  <a:off x="10659290" y="3179055"/>
-                  <a:ext cx="804066" cy="468205"/>
-                </a:xfrm>
-                <a:prstGeom prst="rect">
-                  <a:avLst/>
-                </a:prstGeom>
-                <a:blipFill>
-                  <a:blip r:embed="rId9"/>
-                  <a:stretch>
-                    <a:fillRect l="-1527" r="-2290" b="-18182"/>
-                  </a:stretch>
-                </a:blipFill>
-              </p:spPr>
-              <p:txBody>
-                <a:bodyPr/>
-                <a:lstStyle/>
-                <a:p>
-                  <a:r>
-                    <a:rPr lang="en-US">
-                      <a:noFill/>
-                    </a:rPr>
-                    <a:t> </a:t>
-                  </a:r>
-                </a:p>
-              </p:txBody>
-            </p:sp>
-          </mc:Fallback>
-        </mc:AlternateContent>
-        <mc:AlternateContent xmlns:mc="http://schemas.openxmlformats.org/markup-compatibility/2006">
-          <mc:Choice xmlns:a14="http://schemas.microsoft.com/office/drawing/2010/main" Requires="a14">
-            <p:sp>
-              <p:nvSpPr>
-                <p:cNvPr id="30" name="TextBox 29">
-                  <a:extLst>
-                    <a:ext uri="{FF2B5EF4-FFF2-40B4-BE49-F238E27FC236}">
-                      <a16:creationId xmlns:a16="http://schemas.microsoft.com/office/drawing/2014/main" id="{DCFEF4E7-820B-D14E-A2E9-6D356258E020}"/>
-                    </a:ext>
-                  </a:extLst>
-                </p:cNvPr>
-                <p:cNvSpPr txBox="1"/>
-                <p:nvPr/>
-              </p:nvSpPr>
-              <p:spPr>
-                <a:xfrm>
-                  <a:off x="10514454" y="1395420"/>
-                  <a:ext cx="2939907" cy="1183529"/>
-                </a:xfrm>
-                <a:prstGeom prst="rect">
-                  <a:avLst/>
-                </a:prstGeom>
-                <a:noFill/>
-              </p:spPr>
-              <p:txBody>
-                <a:bodyPr wrap="none" rtlCol="0">
-                  <a:spAutoFit/>
-                </a:bodyPr>
-                <a:lstStyle/>
-                <a:p>
-                  <a:pPr/>
-                  <a14:m>
-                    <m:oMathPara xmlns:m="http://schemas.openxmlformats.org/officeDocument/2006/math">
-                      <m:oMathParaPr>
-                        <m:jc m:val="centerGroup"/>
-                      </m:oMathParaPr>
-                      <m:oMath xmlns:m="http://schemas.openxmlformats.org/officeDocument/2006/math">
-                        <m:rad>
-                          <m:radPr>
-                            <m:degHide m:val="on"/>
-                            <m:ctrlPr>
-                              <a:rPr lang="en-US" sz="2400" i="1" smtClean="0">
-                                <a:latin typeface="Cambria Math" panose="02040503050406030204" pitchFamily="18" charset="0"/>
-                              </a:rPr>
-                            </m:ctrlPr>
-                          </m:radPr>
-                          <m:deg/>
-                          <m:e>
-                            <m:r>
-                              <a:rPr lang="en-IN" sz="2400" b="0" i="1" smtClean="0">
-                                <a:latin typeface="Cambria Math" panose="02040503050406030204" pitchFamily="18" charset="0"/>
-                              </a:rPr>
-                              <m:t>1−</m:t>
-                            </m:r>
-                            <m:f>
-                              <m:fPr>
-                                <m:ctrlPr>
-                                  <a:rPr lang="en-IN" sz="2400" b="0" i="1" smtClean="0">
-                                    <a:latin typeface="Cambria Math" panose="02040503050406030204" pitchFamily="18" charset="0"/>
-                                  </a:rPr>
-                                </m:ctrlPr>
-                              </m:fPr>
-                              <m:num>
-                                <m:sSup>
-                                  <m:sSupPr>
-                                    <m:ctrlPr>
-                                      <a:rPr lang="en-IN" sz="2400" b="0" i="1" smtClean="0">
-                                        <a:latin typeface="Cambria Math" panose="02040503050406030204" pitchFamily="18" charset="0"/>
-                                      </a:rPr>
-                                    </m:ctrlPr>
-                                  </m:sSupPr>
-                                  <m:e>
-                                    <m:r>
-                                      <a:rPr lang="en-IN" sz="2400" b="0" i="1" smtClean="0">
-                                        <a:latin typeface="Cambria Math" panose="02040503050406030204" pitchFamily="18" charset="0"/>
-                                      </a:rPr>
-                                      <m:t>𝐶</m:t>
-                                    </m:r>
-                                  </m:e>
-                                  <m:sup>
-                                    <m:r>
-                                      <a:rPr lang="en-IN" sz="2400" b="0" i="1" smtClean="0">
-                                        <a:latin typeface="Cambria Math" panose="02040503050406030204" pitchFamily="18" charset="0"/>
-                                      </a:rPr>
-                                      <m:t>2</m:t>
-                                    </m:r>
-                                  </m:sup>
-                                </m:sSup>
-                              </m:num>
-                              <m:den>
-                                <m:acc>
-                                  <m:accPr>
-                                    <m:chr m:val="̃"/>
-                                    <m:ctrlPr>
-                                      <a:rPr lang="en-IN" sz="2400" b="0" i="1" smtClean="0">
-                                        <a:latin typeface="Cambria Math" panose="02040503050406030204" pitchFamily="18" charset="0"/>
-                                      </a:rPr>
-                                    </m:ctrlPr>
-                                  </m:accPr>
-                                  <m:e>
-                                    <m:sSubSup>
-                                      <m:sSubSupPr>
-                                        <m:ctrlPr>
-                                          <a:rPr lang="en-IN" sz="2400" b="0" i="1" smtClean="0">
-                                            <a:latin typeface="Cambria Math" panose="02040503050406030204" pitchFamily="18" charset="0"/>
-                                          </a:rPr>
-                                        </m:ctrlPr>
-                                      </m:sSubSupPr>
-                                      <m:e>
-                                        <m:r>
-                                          <a:rPr lang="en-IN" sz="2400" b="0" i="1" smtClean="0">
-                                            <a:latin typeface="Cambria Math" panose="02040503050406030204" pitchFamily="18" charset="0"/>
-                                          </a:rPr>
-                                          <m:t>𝜃</m:t>
-                                        </m:r>
-                                      </m:e>
-                                      <m:sub>
-                                        <m:r>
-                                          <a:rPr lang="en-IN" sz="2400" b="0" i="1" smtClean="0">
-                                            <a:latin typeface="Cambria Math" panose="02040503050406030204" pitchFamily="18" charset="0"/>
-                                          </a:rPr>
-                                          <m:t>𝑗</m:t>
-                                        </m:r>
-                                      </m:sub>
-                                      <m:sup>
-                                        <m:sSup>
-                                          <m:sSupPr>
-                                            <m:ctrlPr>
-                                              <a:rPr lang="en-IN" sz="2400" b="0" i="1" smtClean="0">
-                                                <a:latin typeface="Cambria Math" panose="02040503050406030204" pitchFamily="18" charset="0"/>
-                                              </a:rPr>
-                                            </m:ctrlPr>
-                                          </m:sSupPr>
-                                          <m:e>
-                                            <m:r>
-                                              <a:rPr lang="en-IN" sz="2400" b="0" i="1" smtClean="0">
-                                                <a:latin typeface="Cambria Math" panose="02040503050406030204" pitchFamily="18" charset="0"/>
-                                              </a:rPr>
-                                              <m:t>′</m:t>
-                                            </m:r>
-                                          </m:e>
-                                          <m:sup>
-                                            <m:r>
-                                              <a:rPr lang="en-IN" sz="2400" b="0" i="1" smtClean="0">
-                                                <a:latin typeface="Cambria Math" panose="02040503050406030204" pitchFamily="18" charset="0"/>
-                                              </a:rPr>
-                                              <m:t>2</m:t>
-                                            </m:r>
-                                          </m:sup>
-                                        </m:sSup>
-                                      </m:sup>
-                                    </m:sSubSup>
-                                  </m:e>
-                                </m:acc>
-                              </m:den>
-                            </m:f>
-                          </m:e>
-                        </m:rad>
-                        <m:d>
-                          <m:dPr>
-                            <m:begChr m:val="|"/>
-                            <m:endChr m:val="⟩"/>
-                            <m:ctrlPr>
-                              <a:rPr lang="en-IN" sz="2400" b="0" i="1" smtClean="0">
-                                <a:latin typeface="Cambria Math" panose="02040503050406030204" pitchFamily="18" charset="0"/>
-                              </a:rPr>
-                            </m:ctrlPr>
-                          </m:dPr>
-                          <m:e>
-                            <m:r>
-                              <a:rPr lang="en-IN" sz="2400" b="0" i="1" smtClean="0">
-                                <a:latin typeface="Cambria Math" panose="02040503050406030204" pitchFamily="18" charset="0"/>
-                              </a:rPr>
-                              <m:t>0</m:t>
-                            </m:r>
-                          </m:e>
-                        </m:d>
-                        <m:r>
-                          <a:rPr lang="en-IN" sz="2400" b="0" i="1" smtClean="0">
-                            <a:latin typeface="Cambria Math" panose="02040503050406030204" pitchFamily="18" charset="0"/>
-                          </a:rPr>
-                          <m:t>+</m:t>
-                        </m:r>
-                        <m:f>
-                          <m:fPr>
-                            <m:ctrlPr>
-                              <a:rPr lang="en-IN" sz="2400" b="0" i="1" smtClean="0">
-                                <a:latin typeface="Cambria Math" panose="02040503050406030204" pitchFamily="18" charset="0"/>
-                              </a:rPr>
-                            </m:ctrlPr>
-                          </m:fPr>
-                          <m:num>
-                            <m:r>
-                              <a:rPr lang="en-IN" sz="2400" b="0" i="1" smtClean="0">
-                                <a:latin typeface="Cambria Math" panose="02040503050406030204" pitchFamily="18" charset="0"/>
-                              </a:rPr>
-                              <m:t>𝐶</m:t>
-                            </m:r>
-                          </m:num>
-                          <m:den>
-                            <m:acc>
-                              <m:accPr>
-                                <m:chr m:val="̃"/>
-                                <m:ctrlPr>
-                                  <a:rPr lang="en-IN" sz="2400" b="0" i="1" smtClean="0">
-                                    <a:latin typeface="Cambria Math" panose="02040503050406030204" pitchFamily="18" charset="0"/>
-                                  </a:rPr>
-                                </m:ctrlPr>
-                              </m:accPr>
-                              <m:e>
-                                <m:sSubSup>
-                                  <m:sSubSupPr>
-                                    <m:ctrlPr>
-                                      <a:rPr lang="en-IN" sz="2400" b="0" i="1" smtClean="0">
-                                        <a:latin typeface="Cambria Math" panose="02040503050406030204" pitchFamily="18" charset="0"/>
-                                      </a:rPr>
-                                    </m:ctrlPr>
-                                  </m:sSubSupPr>
-                                  <m:e>
-                                    <m:r>
-                                      <a:rPr lang="en-IN" sz="2400" b="0" i="1" smtClean="0">
-                                        <a:latin typeface="Cambria Math" panose="02040503050406030204" pitchFamily="18" charset="0"/>
-                                      </a:rPr>
-                                      <m:t>𝜃</m:t>
-                                    </m:r>
-                                  </m:e>
-                                  <m:sub>
-                                    <m:r>
-                                      <a:rPr lang="en-IN" sz="2400" b="0" i="1" smtClean="0">
-                                        <a:latin typeface="Cambria Math" panose="02040503050406030204" pitchFamily="18" charset="0"/>
-                                      </a:rPr>
-                                      <m:t>𝑗</m:t>
-                                    </m:r>
-                                  </m:sub>
-                                  <m:sup>
-                                    <m:r>
-                                      <a:rPr lang="en-IN" sz="2400" b="0" i="1" smtClean="0">
-                                        <a:latin typeface="Cambria Math" panose="02040503050406030204" pitchFamily="18" charset="0"/>
-                                      </a:rPr>
-                                      <m:t>′</m:t>
-                                    </m:r>
-                                  </m:sup>
-                                </m:sSubSup>
-                              </m:e>
-                            </m:acc>
-                          </m:den>
-                        </m:f>
-                        <m:r>
-                          <a:rPr lang="en-IN" sz="2400" b="0" i="1" smtClean="0">
-                            <a:latin typeface="Cambria Math" panose="02040503050406030204" pitchFamily="18" charset="0"/>
-                          </a:rPr>
-                          <m:t>|1⟩</m:t>
-                        </m:r>
-                      </m:oMath>
-                    </m:oMathPara>
-                  </a14:m>
-                  <a:endParaRPr lang="en-US" sz="2400" dirty="0"/>
-                </a:p>
-              </p:txBody>
-            </p:sp>
-          </mc:Choice>
-          <mc:Fallback>
-            <p:sp>
-              <p:nvSpPr>
-                <p:cNvPr id="30" name="TextBox 29">
-                  <a:extLst>
-                    <a:ext uri="{FF2B5EF4-FFF2-40B4-BE49-F238E27FC236}">
-                      <a16:creationId xmlns:a16="http://schemas.microsoft.com/office/drawing/2014/main" id="{DCFEF4E7-820B-D14E-A2E9-6D356258E020}"/>
-                    </a:ext>
-                  </a:extLst>
-                </p:cNvPr>
-                <p:cNvSpPr txBox="1">
-                  <a:spLocks noRot="1" noChangeAspect="1" noMove="1" noResize="1" noEditPoints="1" noAdjustHandles="1" noChangeArrowheads="1" noChangeShapeType="1" noTextEdit="1"/>
-                </p:cNvSpPr>
-                <p:nvPr/>
-              </p:nvSpPr>
-              <p:spPr>
-                <a:xfrm>
-                  <a:off x="10514454" y="1395420"/>
-                  <a:ext cx="2939907" cy="1183529"/>
-                </a:xfrm>
-                <a:prstGeom prst="rect">
-                  <a:avLst/>
-                </a:prstGeom>
-                <a:blipFill>
-                  <a:blip r:embed="rId10"/>
-                  <a:stretch>
-                    <a:fillRect/>
+                    <a:fillRect l="-1042" r="-2083" b="-18421"/>
                   </a:stretch>
                 </a:blipFill>
               </p:spPr>
